--- a/00_Relazione/2-Modello e identificazione di un motore DC/Modello e identificazione di un motore DC.pptx
+++ b/00_Relazione/2-Modello e identificazione di un motore DC/Modello e identificazione di un motore DC.pptx
@@ -7790,8 +7790,8 @@
           </a:p>
         </p:txBody>
       </p:sp>
-      <mc:AlternateContent xmlns:mc="http://schemas.openxmlformats.org/markup-compatibility/2006">
-        <mc:Choice xmlns:a14="http://schemas.microsoft.com/office/drawing/2010/main" Requires="a14">
+      <mc:AlternateContent xmlns:mc="http://schemas.openxmlformats.org/markup-compatibility/2006" xmlns:a14="http://schemas.microsoft.com/office/drawing/2010/main">
+        <mc:Choice Requires="a14">
           <p:sp>
             <p:nvSpPr>
               <p:cNvPr id="16" name="CasellaDiTesto 15">
@@ -7884,7 +7884,7 @@
             </p:txBody>
           </p:sp>
         </mc:Choice>
-        <mc:Fallback>
+        <mc:Fallback xmlns="">
           <p:sp>
             <p:nvSpPr>
               <p:cNvPr id="16" name="CasellaDiTesto 15">
@@ -7929,8 +7929,8 @@
           </p:sp>
         </mc:Fallback>
       </mc:AlternateContent>
-      <mc:AlternateContent xmlns:mc="http://schemas.openxmlformats.org/markup-compatibility/2006">
-        <mc:Choice xmlns:a14="http://schemas.microsoft.com/office/drawing/2010/main" Requires="a14">
+      <mc:AlternateContent xmlns:mc="http://schemas.openxmlformats.org/markup-compatibility/2006" xmlns:a14="http://schemas.microsoft.com/office/drawing/2010/main">
+        <mc:Choice Requires="a14">
           <p:sp>
             <p:nvSpPr>
               <p:cNvPr id="17" name="CasellaDiTesto 16">
@@ -8024,7 +8024,7 @@
             </p:txBody>
           </p:sp>
         </mc:Choice>
-        <mc:Fallback>
+        <mc:Fallback xmlns="">
           <p:sp>
             <p:nvSpPr>
               <p:cNvPr id="17" name="CasellaDiTesto 16">
@@ -8069,8 +8069,8 @@
           </p:sp>
         </mc:Fallback>
       </mc:AlternateContent>
-      <mc:AlternateContent xmlns:mc="http://schemas.openxmlformats.org/markup-compatibility/2006">
-        <mc:Choice xmlns:a14="http://schemas.microsoft.com/office/drawing/2010/main" Requires="a14">
+      <mc:AlternateContent xmlns:mc="http://schemas.openxmlformats.org/markup-compatibility/2006" xmlns:a14="http://schemas.microsoft.com/office/drawing/2010/main">
+        <mc:Choice Requires="a14">
           <p:sp>
             <p:nvSpPr>
               <p:cNvPr id="18" name="CasellaDiTesto 17">
@@ -8220,7 +8220,7 @@
             </p:txBody>
           </p:sp>
         </mc:Choice>
-        <mc:Fallback>
+        <mc:Fallback xmlns="">
           <p:sp>
             <p:nvSpPr>
               <p:cNvPr id="18" name="CasellaDiTesto 17">
@@ -8265,8 +8265,8 @@
           </p:sp>
         </mc:Fallback>
       </mc:AlternateContent>
-      <mc:AlternateContent xmlns:mc="http://schemas.openxmlformats.org/markup-compatibility/2006">
-        <mc:Choice xmlns:a14="http://schemas.microsoft.com/office/drawing/2010/main" Requires="a14">
+      <mc:AlternateContent xmlns:mc="http://schemas.openxmlformats.org/markup-compatibility/2006" xmlns:a14="http://schemas.microsoft.com/office/drawing/2010/main">
+        <mc:Choice Requires="a14">
           <p:sp>
             <p:nvSpPr>
               <p:cNvPr id="19" name="CasellaDiTesto 18">
@@ -8392,7 +8392,7 @@
             </p:txBody>
           </p:sp>
         </mc:Choice>
-        <mc:Fallback>
+        <mc:Fallback xmlns="">
           <p:sp>
             <p:nvSpPr>
               <p:cNvPr id="19" name="CasellaDiTesto 18">
@@ -8437,8 +8437,8 @@
           </p:sp>
         </mc:Fallback>
       </mc:AlternateContent>
-      <mc:AlternateContent xmlns:mc="http://schemas.openxmlformats.org/markup-compatibility/2006">
-        <mc:Choice xmlns:a14="http://schemas.microsoft.com/office/drawing/2010/main" Requires="a14">
+      <mc:AlternateContent xmlns:mc="http://schemas.openxmlformats.org/markup-compatibility/2006" xmlns:a14="http://schemas.microsoft.com/office/drawing/2010/main">
+        <mc:Choice Requires="a14">
           <p:sp>
             <p:nvSpPr>
               <p:cNvPr id="20" name="CasellaDiTesto 19">
@@ -8546,7 +8546,7 @@
             </p:txBody>
           </p:sp>
         </mc:Choice>
-        <mc:Fallback>
+        <mc:Fallback xmlns="">
           <p:sp>
             <p:nvSpPr>
               <p:cNvPr id="20" name="CasellaDiTesto 19">
@@ -8970,8 +8970,8 @@
           </a:p>
         </p:txBody>
       </p:sp>
-      <mc:AlternateContent xmlns:mc="http://schemas.openxmlformats.org/markup-compatibility/2006">
-        <mc:Choice xmlns:a14="http://schemas.microsoft.com/office/drawing/2010/main" Requires="a14">
+      <mc:AlternateContent xmlns:mc="http://schemas.openxmlformats.org/markup-compatibility/2006" xmlns:a14="http://schemas.microsoft.com/office/drawing/2010/main">
+        <mc:Choice Requires="a14">
           <p:sp>
             <p:nvSpPr>
               <p:cNvPr id="14" name="Segnaposto contenuto 13"/>
@@ -9074,7 +9074,7 @@
             </p:txBody>
           </p:sp>
         </mc:Choice>
-        <mc:Fallback>
+        <mc:Fallback xmlns="">
           <p:sp>
             <p:nvSpPr>
               <p:cNvPr id="14" name="Segnaposto contenuto 13"/>
@@ -9184,8 +9184,8 @@
           </a:prstGeom>
         </p:spPr>
       </p:pic>
-      <mc:AlternateContent xmlns:mc="http://schemas.openxmlformats.org/markup-compatibility/2006">
-        <mc:Choice xmlns:a14="http://schemas.microsoft.com/office/drawing/2010/main" Requires="a14">
+      <mc:AlternateContent xmlns:mc="http://schemas.openxmlformats.org/markup-compatibility/2006" xmlns:a14="http://schemas.microsoft.com/office/drawing/2010/main">
+        <mc:Choice Requires="a14">
           <p:sp>
             <p:nvSpPr>
               <p:cNvPr id="8" name="CasellaDiTesto 7">
@@ -9249,7 +9249,7 @@
             </p:txBody>
           </p:sp>
         </mc:Choice>
-        <mc:Fallback>
+        <mc:Fallback xmlns="">
           <p:sp>
             <p:nvSpPr>
               <p:cNvPr id="8" name="CasellaDiTesto 7">
@@ -9928,8 +9928,8 @@
           </a:prstGeom>
         </p:spPr>
       </p:pic>
-      <mc:AlternateContent xmlns:mc="http://schemas.openxmlformats.org/markup-compatibility/2006">
-        <mc:Choice xmlns:a14="http://schemas.microsoft.com/office/drawing/2010/main" Requires="a14">
+      <mc:AlternateContent xmlns:mc="http://schemas.openxmlformats.org/markup-compatibility/2006" xmlns:a14="http://schemas.microsoft.com/office/drawing/2010/main">
+        <mc:Choice Requires="a14">
           <p:sp>
             <p:nvSpPr>
               <p:cNvPr id="9" name="CasellaDiTesto 8">
@@ -10236,7 +10236,7 @@
             </p:txBody>
           </p:sp>
         </mc:Choice>
-        <mc:Fallback>
+        <mc:Fallback xmlns="">
           <p:sp>
             <p:nvSpPr>
               <p:cNvPr id="9" name="CasellaDiTesto 8">
@@ -10317,8 +10317,8 @@
           </a:prstGeom>
         </p:spPr>
       </p:pic>
-      <mc:AlternateContent xmlns:mc="http://schemas.openxmlformats.org/markup-compatibility/2006">
-        <mc:Choice xmlns:a14="http://schemas.microsoft.com/office/drawing/2010/main" Requires="a14">
+      <mc:AlternateContent xmlns:mc="http://schemas.openxmlformats.org/markup-compatibility/2006" xmlns:a14="http://schemas.microsoft.com/office/drawing/2010/main">
+        <mc:Choice Requires="a14">
           <p:sp>
             <p:nvSpPr>
               <p:cNvPr id="14" name="CasellaDiTesto 13">
@@ -10371,7 +10371,7 @@
             </p:txBody>
           </p:sp>
         </mc:Choice>
-        <mc:Fallback>
+        <mc:Fallback xmlns="">
           <p:sp>
             <p:nvSpPr>
               <p:cNvPr id="14" name="CasellaDiTesto 13">
@@ -10762,8 +10762,8 @@
           </a:prstGeom>
         </p:spPr>
       </p:pic>
-      <mc:AlternateContent xmlns:mc="http://schemas.openxmlformats.org/markup-compatibility/2006">
-        <mc:Choice xmlns:a14="http://schemas.microsoft.com/office/drawing/2010/main" Requires="a14">
+      <mc:AlternateContent xmlns:mc="http://schemas.openxmlformats.org/markup-compatibility/2006" xmlns:a14="http://schemas.microsoft.com/office/drawing/2010/main">
+        <mc:Choice Requires="a14">
           <p:sp>
             <p:nvSpPr>
               <p:cNvPr id="15" name="CasellaDiTesto 14">
@@ -10829,7 +10829,7 @@
             </p:txBody>
           </p:sp>
         </mc:Choice>
-        <mc:Fallback>
+        <mc:Fallback xmlns="">
           <p:sp>
             <p:nvSpPr>
               <p:cNvPr id="15" name="CasellaDiTesto 14">
@@ -11292,8 +11292,8 @@
           </a:p>
         </p:txBody>
       </p:sp>
-      <mc:AlternateContent xmlns:mc="http://schemas.openxmlformats.org/markup-compatibility/2006">
-        <mc:Choice xmlns:a14="http://schemas.microsoft.com/office/drawing/2010/main" Requires="a14">
+      <mc:AlternateContent xmlns:mc="http://schemas.openxmlformats.org/markup-compatibility/2006" xmlns:a14="http://schemas.microsoft.com/office/drawing/2010/main">
+        <mc:Choice Requires="a14">
           <p:sp>
             <p:nvSpPr>
               <p:cNvPr id="10" name="Rettangolo 9">
@@ -11381,7 +11381,7 @@
             </p:txBody>
           </p:sp>
         </mc:Choice>
-        <mc:Fallback>
+        <mc:Fallback xmlns="">
           <p:sp>
             <p:nvSpPr>
               <p:cNvPr id="10" name="Rettangolo 9">
@@ -11426,8 +11426,8 @@
           </p:sp>
         </mc:Fallback>
       </mc:AlternateContent>
-      <mc:AlternateContent xmlns:mc="http://schemas.openxmlformats.org/markup-compatibility/2006">
-        <mc:Choice xmlns:a14="http://schemas.microsoft.com/office/drawing/2010/main" Requires="a14">
+      <mc:AlternateContent xmlns:mc="http://schemas.openxmlformats.org/markup-compatibility/2006" xmlns:a14="http://schemas.microsoft.com/office/drawing/2010/main">
+        <mc:Choice Requires="a14">
           <p:sp>
             <p:nvSpPr>
               <p:cNvPr id="11" name="CasellaDiTesto 10">
@@ -11874,7 +11874,7 @@
             </p:txBody>
           </p:sp>
         </mc:Choice>
-        <mc:Fallback>
+        <mc:Fallback xmlns="">
           <p:sp>
             <p:nvSpPr>
               <p:cNvPr id="11" name="CasellaDiTesto 10">
@@ -11919,8 +11919,8 @@
           </p:sp>
         </mc:Fallback>
       </mc:AlternateContent>
-      <mc:AlternateContent xmlns:mc="http://schemas.openxmlformats.org/markup-compatibility/2006">
-        <mc:Choice xmlns:a14="http://schemas.microsoft.com/office/drawing/2010/main" Requires="a14">
+      <mc:AlternateContent xmlns:mc="http://schemas.openxmlformats.org/markup-compatibility/2006" xmlns:a14="http://schemas.microsoft.com/office/drawing/2010/main">
+        <mc:Choice Requires="a14">
           <p:sp>
             <p:nvSpPr>
               <p:cNvPr id="12" name="CasellaDiTesto 11">
@@ -12062,7 +12062,7 @@
             </p:txBody>
           </p:sp>
         </mc:Choice>
-        <mc:Fallback>
+        <mc:Fallback xmlns="">
           <p:sp>
             <p:nvSpPr>
               <p:cNvPr id="12" name="CasellaDiTesto 11">
@@ -12224,8 +12224,8 @@
           </a:p>
         </p:txBody>
       </p:sp>
-      <mc:AlternateContent xmlns:mc="http://schemas.openxmlformats.org/markup-compatibility/2006">
-        <mc:Choice xmlns:a14="http://schemas.microsoft.com/office/drawing/2010/main" Requires="a14">
+      <mc:AlternateContent xmlns:mc="http://schemas.openxmlformats.org/markup-compatibility/2006" xmlns:a14="http://schemas.microsoft.com/office/drawing/2010/main">
+        <mc:Choice Requires="a14">
           <p:sp>
             <p:nvSpPr>
               <p:cNvPr id="4" name="CasellaDiTesto 3">
@@ -12349,7 +12349,7 @@
             </p:txBody>
           </p:sp>
         </mc:Choice>
-        <mc:Fallback>
+        <mc:Fallback xmlns="">
           <p:sp>
             <p:nvSpPr>
               <p:cNvPr id="4" name="CasellaDiTesto 3">
@@ -12466,8 +12466,8 @@
           </a:prstGeom>
         </p:spPr>
       </p:pic>
-      <mc:AlternateContent xmlns:mc="http://schemas.openxmlformats.org/markup-compatibility/2006">
-        <mc:Choice xmlns:a14="http://schemas.microsoft.com/office/drawing/2010/main" Requires="a14">
+      <mc:AlternateContent xmlns:mc="http://schemas.openxmlformats.org/markup-compatibility/2006" xmlns:a14="http://schemas.microsoft.com/office/drawing/2010/main">
+        <mc:Choice Requires="a14">
           <p:sp>
             <p:nvSpPr>
               <p:cNvPr id="3" name="CasellaDiTesto 2">
@@ -12629,7 +12629,7 @@
             </p:txBody>
           </p:sp>
         </mc:Choice>
-        <mc:Fallback>
+        <mc:Fallback xmlns="">
           <p:sp>
             <p:nvSpPr>
               <p:cNvPr id="3" name="CasellaDiTesto 2">

--- a/00_Relazione/2-Modello e identificazione di un motore DC/Modello e identificazione di un motore DC.pptx
+++ b/00_Relazione/2-Modello e identificazione di un motore DC/Modello e identificazione di un motore DC.pptx
@@ -5,7 +5,7 @@
     <p:sldMasterId id="2147483648" r:id="rId1"/>
   </p:sldMasterIdLst>
   <p:notesMasterIdLst>
-    <p:notesMasterId r:id="rId21"/>
+    <p:notesMasterId r:id="rId30"/>
   </p:notesMasterIdLst>
   <p:sldIdLst>
     <p:sldId id="298" r:id="rId2"/>
@@ -16,17 +16,26 @@
     <p:sldId id="303" r:id="rId7"/>
     <p:sldId id="304" r:id="rId8"/>
     <p:sldId id="305" r:id="rId9"/>
-    <p:sldId id="306" r:id="rId10"/>
-    <p:sldId id="307" r:id="rId11"/>
-    <p:sldId id="308" r:id="rId12"/>
-    <p:sldId id="309" r:id="rId13"/>
-    <p:sldId id="310" r:id="rId14"/>
-    <p:sldId id="311" r:id="rId15"/>
-    <p:sldId id="284" r:id="rId16"/>
-    <p:sldId id="312" r:id="rId17"/>
-    <p:sldId id="287" r:id="rId18"/>
-    <p:sldId id="313" r:id="rId19"/>
-    <p:sldId id="288" r:id="rId20"/>
+    <p:sldId id="314" r:id="rId10"/>
+    <p:sldId id="315" r:id="rId11"/>
+    <p:sldId id="316" r:id="rId12"/>
+    <p:sldId id="317" r:id="rId13"/>
+    <p:sldId id="306" r:id="rId14"/>
+    <p:sldId id="307" r:id="rId15"/>
+    <p:sldId id="308" r:id="rId16"/>
+    <p:sldId id="309" r:id="rId17"/>
+    <p:sldId id="310" r:id="rId18"/>
+    <p:sldId id="311" r:id="rId19"/>
+    <p:sldId id="284" r:id="rId20"/>
+    <p:sldId id="312" r:id="rId21"/>
+    <p:sldId id="287" r:id="rId22"/>
+    <p:sldId id="313" r:id="rId23"/>
+    <p:sldId id="288" r:id="rId24"/>
+    <p:sldId id="318" r:id="rId25"/>
+    <p:sldId id="319" r:id="rId26"/>
+    <p:sldId id="320" r:id="rId27"/>
+    <p:sldId id="321" r:id="rId28"/>
+    <p:sldId id="322" r:id="rId29"/>
   </p:sldIdLst>
   <p:sldSz cx="12192000" cy="6858000"/>
   <p:notesSz cx="6858000" cy="9144000"/>
@@ -227,7 +236,7 @@
           <a:p>
             <a:fld id="{2D1A64A2-7D86-439A-A8BC-7FA7B1DBF38C}" type="datetimeFigureOut">
               <a:rPr lang="it-IT" smtClean="0"/>
-              <a:t>10/02/2020</a:t>
+              <a:t>11/02/2020</a:t>
             </a:fld>
             <a:endParaRPr lang="it-IT"/>
           </a:p>
@@ -652,7 +661,7 @@
             <a:fld id="{841221E5-7225-48EB-A4EE-420E7BFCF705}" type="slidenum">
               <a:rPr lang="it-IT" smtClean="0"/>
               <a:pPr rtl="0"/>
-              <a:t>10</a:t>
+              <a:t>14</a:t>
             </a:fld>
             <a:endParaRPr lang="it-IT" dirty="0"/>
           </a:p>
@@ -738,7 +747,7 @@
             <a:fld id="{841221E5-7225-48EB-A4EE-420E7BFCF705}" type="slidenum">
               <a:rPr lang="it-IT" smtClean="0"/>
               <a:pPr rtl="0"/>
-              <a:t>11</a:t>
+              <a:t>15</a:t>
             </a:fld>
             <a:endParaRPr lang="it-IT" dirty="0"/>
           </a:p>
@@ -824,7 +833,7 @@
             <a:fld id="{841221E5-7225-48EB-A4EE-420E7BFCF705}" type="slidenum">
               <a:rPr lang="it-IT" smtClean="0"/>
               <a:pPr rtl="0"/>
-              <a:t>12</a:t>
+              <a:t>16</a:t>
             </a:fld>
             <a:endParaRPr lang="it-IT" dirty="0"/>
           </a:p>
@@ -910,7 +919,7 @@
             <a:fld id="{841221E5-7225-48EB-A4EE-420E7BFCF705}" type="slidenum">
               <a:rPr lang="it-IT" smtClean="0"/>
               <a:pPr rtl="0"/>
-              <a:t>13</a:t>
+              <a:t>17</a:t>
             </a:fld>
             <a:endParaRPr lang="it-IT" dirty="0"/>
           </a:p>
@@ -996,7 +1005,7 @@
             <a:fld id="{841221E5-7225-48EB-A4EE-420E7BFCF705}" type="slidenum">
               <a:rPr lang="it-IT" smtClean="0"/>
               <a:pPr rtl="0"/>
-              <a:t>14</a:t>
+              <a:t>18</a:t>
             </a:fld>
             <a:endParaRPr lang="it-IT" dirty="0"/>
           </a:p>
@@ -1082,7 +1091,7 @@
             <a:fld id="{841221E5-7225-48EB-A4EE-420E7BFCF705}" type="slidenum">
               <a:rPr lang="it-IT" smtClean="0"/>
               <a:pPr rtl="0"/>
-              <a:t>15</a:t>
+              <a:t>19</a:t>
             </a:fld>
             <a:endParaRPr lang="it-IT" dirty="0"/>
           </a:p>
@@ -1168,7 +1177,7 @@
             <a:fld id="{841221E5-7225-48EB-A4EE-420E7BFCF705}" type="slidenum">
               <a:rPr lang="it-IT" smtClean="0"/>
               <a:pPr rtl="0"/>
-              <a:t>16</a:t>
+              <a:t>20</a:t>
             </a:fld>
             <a:endParaRPr lang="it-IT" dirty="0"/>
           </a:p>
@@ -1254,7 +1263,7 @@
             <a:fld id="{841221E5-7225-48EB-A4EE-420E7BFCF705}" type="slidenum">
               <a:rPr lang="it-IT" smtClean="0"/>
               <a:pPr rtl="0"/>
-              <a:t>17</a:t>
+              <a:t>21</a:t>
             </a:fld>
             <a:endParaRPr lang="it-IT" dirty="0"/>
           </a:p>
@@ -1340,7 +1349,7 @@
             <a:fld id="{841221E5-7225-48EB-A4EE-420E7BFCF705}" type="slidenum">
               <a:rPr lang="it-IT" smtClean="0"/>
               <a:pPr rtl="0"/>
-              <a:t>18</a:t>
+              <a:t>22</a:t>
             </a:fld>
             <a:endParaRPr lang="it-IT" dirty="0"/>
           </a:p>
@@ -1426,7 +1435,7 @@
             <a:fld id="{841221E5-7225-48EB-A4EE-420E7BFCF705}" type="slidenum">
               <a:rPr lang="it-IT" smtClean="0"/>
               <a:pPr rtl="0"/>
-              <a:t>19</a:t>
+              <a:t>23</a:t>
             </a:fld>
             <a:endParaRPr lang="it-IT" dirty="0"/>
           </a:p>
@@ -2144,7 +2153,7 @@
             <a:fld id="{841221E5-7225-48EB-A4EE-420E7BFCF705}" type="slidenum">
               <a:rPr lang="it-IT" smtClean="0"/>
               <a:pPr rtl="0"/>
-              <a:t>9</a:t>
+              <a:t>13</a:t>
             </a:fld>
             <a:endParaRPr lang="it-IT" dirty="0"/>
           </a:p>
@@ -2226,7 +2235,7 @@
             <a:fld id="{DA63B92F-6927-4909-8675-8FB028AE3CD8}" type="datetime1">
               <a:rPr lang="it-IT" smtClean="0"/>
               <a:pPr/>
-              <a:t>10/02/2020</a:t>
+              <a:t>11/02/2020</a:t>
             </a:fld>
             <a:endParaRPr lang="it-IT" dirty="0"/>
           </a:p>
@@ -2685,7 +2694,7 @@
             <a:fld id="{E89D5404-FB42-4B9E-BE7A-7821366B0BBC}" type="datetime1">
               <a:rPr lang="it-IT" smtClean="0"/>
               <a:pPr/>
-              <a:t>10/02/2020</a:t>
+              <a:t>11/02/2020</a:t>
             </a:fld>
             <a:endParaRPr lang="it-IT" dirty="0"/>
           </a:p>
@@ -3682,7 +3691,7 @@
             <a:fld id="{982DBDC9-B003-41F0-B8B2-2F0AA2C1B651}" type="datetime1">
               <a:rPr lang="it-IT" smtClean="0"/>
               <a:pPr/>
-              <a:t>10/02/2020</a:t>
+              <a:t>11/02/2020</a:t>
             </a:fld>
             <a:endParaRPr lang="it-IT" dirty="0"/>
           </a:p>
@@ -3913,7 +3922,7 @@
             <a:fld id="{07EF584B-7CE1-48A1-AB7A-1EEAB5F615CD}" type="datetime1">
               <a:rPr lang="it-IT" smtClean="0"/>
               <a:pPr/>
-              <a:t>10/02/2020</a:t>
+              <a:t>11/02/2020</a:t>
             </a:fld>
             <a:endParaRPr lang="it-IT" dirty="0"/>
           </a:p>
@@ -4764,7 +4773,7 @@
             <a:fld id="{62DE71F0-C68A-46D7-94E0-C7A236B6AC63}" type="datetime1">
               <a:rPr lang="it-IT" smtClean="0"/>
               <a:pPr/>
-              <a:t>10/02/2020</a:t>
+              <a:t>11/02/2020</a:t>
             </a:fld>
             <a:endParaRPr lang="it-IT" dirty="0"/>
           </a:p>
@@ -5265,6 +5274,1566 @@
       </p:grpSpPr>
       <p:sp>
         <p:nvSpPr>
+          <p:cNvPr id="2" name="Titolo 1">
+            <a:extLst>
+              <a:ext uri="{FF2B5EF4-FFF2-40B4-BE49-F238E27FC236}">
+                <a16:creationId xmlns:a16="http://schemas.microsoft.com/office/drawing/2014/main" id="{6332A304-FE1C-494B-95E4-F969108120AA}"/>
+              </a:ext>
+            </a:extLst>
+          </p:cNvPr>
+          <p:cNvSpPr>
+            <a:spLocks noGrp="1"/>
+          </p:cNvSpPr>
+          <p:nvPr>
+            <p:ph type="title"/>
+          </p:nvPr>
+        </p:nvSpPr>
+        <p:spPr>
+          <a:xfrm>
+            <a:off x="1355314" y="795130"/>
+            <a:ext cx="4078077" cy="622508"/>
+          </a:xfrm>
+        </p:spPr>
+        <p:txBody>
+          <a:bodyPr>
+            <a:normAutofit/>
+          </a:bodyPr>
+          <a:lstStyle/>
+          <a:p>
+            <a:r>
+              <a:rPr lang="it-IT" dirty="0"/>
+              <a:t>Analisi da Encoder</a:t>
+            </a:r>
+          </a:p>
+        </p:txBody>
+      </p:sp>
+      <p:sp>
+        <p:nvSpPr>
+          <p:cNvPr id="7" name="CasellaDiTesto 6">
+            <a:extLst>
+              <a:ext uri="{FF2B5EF4-FFF2-40B4-BE49-F238E27FC236}">
+                <a16:creationId xmlns:a16="http://schemas.microsoft.com/office/drawing/2014/main" id="{51E2DFC6-F5EB-4CD3-BAEF-F8F37AF6DAD9}"/>
+              </a:ext>
+            </a:extLst>
+          </p:cNvPr>
+          <p:cNvSpPr txBox="1"/>
+          <p:nvPr/>
+        </p:nvSpPr>
+        <p:spPr>
+          <a:xfrm>
+            <a:off x="1355314" y="1417638"/>
+            <a:ext cx="5734599" cy="923330"/>
+          </a:xfrm>
+          <a:prstGeom prst="rect">
+            <a:avLst/>
+          </a:prstGeom>
+          <a:noFill/>
+        </p:spPr>
+        <p:txBody>
+          <a:bodyPr wrap="square" rtlCol="0">
+            <a:spAutoFit/>
+          </a:bodyPr>
+          <a:lstStyle/>
+          <a:p>
+            <a:r>
+              <a:rPr lang="it-IT" dirty="0"/>
+              <a:t>Un altro aspetto da tenere in considerazione è il funzionamento degli </a:t>
+            </a:r>
+            <a:r>
+              <a:rPr lang="it-IT" b="1" dirty="0"/>
+              <a:t>encoder</a:t>
+            </a:r>
+            <a:r>
+              <a:rPr lang="it-IT" dirty="0"/>
+              <a:t>, e la loro relazione con il modello trovato in precedenza del motore.</a:t>
+            </a:r>
+          </a:p>
+        </p:txBody>
+      </p:sp>
+      <p:pic>
+        <p:nvPicPr>
+          <p:cNvPr id="8" name="Immagine 7" descr="Immagine che contiene oggetto, orologio&#10;&#10;Descrizione generata automaticamente">
+            <a:extLst>
+              <a:ext uri="{FF2B5EF4-FFF2-40B4-BE49-F238E27FC236}">
+                <a16:creationId xmlns:a16="http://schemas.microsoft.com/office/drawing/2014/main" id="{4D799838-DC94-46BB-9FB3-11D22DCFD505}"/>
+              </a:ext>
+            </a:extLst>
+          </p:cNvPr>
+          <p:cNvPicPr>
+            <a:picLocks noChangeAspect="1"/>
+          </p:cNvPicPr>
+          <p:nvPr/>
+        </p:nvPicPr>
+        <p:blipFill>
+          <a:blip r:embed="rId2">
+            <a:extLst>
+              <a:ext uri="{28A0092B-C50C-407E-A947-70E740481C1C}">
+                <a14:useLocalDpi xmlns:a14="http://schemas.microsoft.com/office/drawing/2010/main" val="0"/>
+              </a:ext>
+            </a:extLst>
+          </a:blip>
+          <a:stretch>
+            <a:fillRect/>
+          </a:stretch>
+        </p:blipFill>
+        <p:spPr>
+          <a:xfrm>
+            <a:off x="6758611" y="175373"/>
+            <a:ext cx="4967740" cy="1239514"/>
+          </a:xfrm>
+          <a:prstGeom prst="rect">
+            <a:avLst/>
+          </a:prstGeom>
+        </p:spPr>
+      </p:pic>
+      <mc:AlternateContent xmlns:mc="http://schemas.openxmlformats.org/markup-compatibility/2006">
+        <mc:Choice xmlns:a14="http://schemas.microsoft.com/office/drawing/2010/main" Requires="a14">
+          <p:sp>
+            <p:nvSpPr>
+              <p:cNvPr id="9" name="CasellaDiTesto 8">
+                <a:extLst>
+                  <a:ext uri="{FF2B5EF4-FFF2-40B4-BE49-F238E27FC236}">
+                    <a16:creationId xmlns:a16="http://schemas.microsoft.com/office/drawing/2014/main" id="{D3FA90DE-609B-4805-AFA4-AB18416601DA}"/>
+                  </a:ext>
+                </a:extLst>
+              </p:cNvPr>
+              <p:cNvSpPr txBox="1"/>
+              <p:nvPr/>
+            </p:nvSpPr>
+            <p:spPr>
+              <a:xfrm>
+                <a:off x="1355312" y="2340968"/>
+                <a:ext cx="5734601" cy="1477328"/>
+              </a:xfrm>
+              <a:prstGeom prst="rect">
+                <a:avLst/>
+              </a:prstGeom>
+              <a:noFill/>
+            </p:spPr>
+            <p:txBody>
+              <a:bodyPr wrap="square" rtlCol="0">
+                <a:spAutoFit/>
+              </a:bodyPr>
+              <a:lstStyle/>
+              <a:p>
+                <a:pPr algn="just"/>
+                <a:r>
+                  <a:rPr lang="it-IT" dirty="0"/>
+                  <a:t>Se decidessimo di misurare il numero di passi intercorsi tra una misura e l’altra (ovvero l’angolo </a:t>
+                </a:r>
+                <a14:m>
+                  <m:oMath xmlns:m="http://schemas.openxmlformats.org/officeDocument/2006/math">
+                    <m:r>
+                      <a:rPr lang="it-IT" b="1" i="1" smtClean="0">
+                        <a:latin typeface="Cambria Math" panose="02040503050406030204" pitchFamily="18" charset="0"/>
+                        <a:ea typeface="Cambria Math" panose="02040503050406030204" pitchFamily="18" charset="0"/>
+                      </a:rPr>
+                      <m:t>𝜽</m:t>
+                    </m:r>
+                  </m:oMath>
+                </a14:m>
+                <a:r>
+                  <a:rPr lang="it-IT" dirty="0"/>
+                  <a:t>), dovremmo impostare nella funzione </a:t>
+                </a:r>
+                <a:r>
+                  <a:rPr lang="it-IT" b="1" dirty="0"/>
+                  <a:t>tfest()</a:t>
+                </a:r>
+                <a:r>
+                  <a:rPr lang="it-IT" dirty="0"/>
+                  <a:t> la presenza di due poli anziché uno come nel caso della velocità.</a:t>
+                </a:r>
+                <a:endParaRPr lang="it-IT" b="1" dirty="0"/>
+              </a:p>
+            </p:txBody>
+          </p:sp>
+        </mc:Choice>
+        <mc:Fallback>
+          <p:sp>
+            <p:nvSpPr>
+              <p:cNvPr id="9" name="CasellaDiTesto 8">
+                <a:extLst>
+                  <a:ext uri="{FF2B5EF4-FFF2-40B4-BE49-F238E27FC236}">
+                    <a16:creationId xmlns:a16="http://schemas.microsoft.com/office/drawing/2014/main" id="{D3FA90DE-609B-4805-AFA4-AB18416601DA}"/>
+                  </a:ext>
+                </a:extLst>
+              </p:cNvPr>
+              <p:cNvSpPr txBox="1">
+                <a:spLocks noRot="1" noChangeAspect="1" noMove="1" noResize="1" noEditPoints="1" noAdjustHandles="1" noChangeArrowheads="1" noChangeShapeType="1" noTextEdit="1"/>
+              </p:cNvSpPr>
+              <p:nvPr/>
+            </p:nvSpPr>
+            <p:spPr>
+              <a:xfrm>
+                <a:off x="1355312" y="2340968"/>
+                <a:ext cx="5734601" cy="1477328"/>
+              </a:xfrm>
+              <a:prstGeom prst="rect">
+                <a:avLst/>
+              </a:prstGeom>
+              <a:blipFill>
+                <a:blip r:embed="rId3"/>
+                <a:stretch>
+                  <a:fillRect l="-850" t="-2479" r="-956" b="-5372"/>
+                </a:stretch>
+              </a:blipFill>
+            </p:spPr>
+            <p:txBody>
+              <a:bodyPr/>
+              <a:lstStyle/>
+              <a:p>
+                <a:r>
+                  <a:rPr lang="it-IT">
+                    <a:noFill/>
+                  </a:rPr>
+                  <a:t> </a:t>
+                </a:r>
+              </a:p>
+            </p:txBody>
+          </p:sp>
+        </mc:Fallback>
+      </mc:AlternateContent>
+      <p:pic>
+        <p:nvPicPr>
+          <p:cNvPr id="11" name="Immagine 10" descr="Immagine che contiene screenshot&#10;&#10;Descrizione generata automaticamente">
+            <a:extLst>
+              <a:ext uri="{FF2B5EF4-FFF2-40B4-BE49-F238E27FC236}">
+                <a16:creationId xmlns:a16="http://schemas.microsoft.com/office/drawing/2014/main" id="{E5AAB2F4-C6A2-4410-87AE-BFDDB307A02D}"/>
+              </a:ext>
+            </a:extLst>
+          </p:cNvPr>
+          <p:cNvPicPr>
+            <a:picLocks noChangeAspect="1"/>
+          </p:cNvPicPr>
+          <p:nvPr/>
+        </p:nvPicPr>
+        <p:blipFill>
+          <a:blip r:embed="rId4">
+            <a:extLst>
+              <a:ext uri="{28A0092B-C50C-407E-A947-70E740481C1C}">
+                <a14:useLocalDpi xmlns:a14="http://schemas.microsoft.com/office/drawing/2010/main" val="0"/>
+              </a:ext>
+            </a:extLst>
+          </a:blip>
+          <a:stretch>
+            <a:fillRect/>
+          </a:stretch>
+        </p:blipFill>
+        <p:spPr>
+          <a:xfrm>
+            <a:off x="7277328" y="1879303"/>
+            <a:ext cx="4449023" cy="4207904"/>
+          </a:xfrm>
+          <a:prstGeom prst="rect">
+            <a:avLst/>
+          </a:prstGeom>
+        </p:spPr>
+      </p:pic>
+      <mc:AlternateContent xmlns:mc="http://schemas.openxmlformats.org/markup-compatibility/2006">
+        <mc:Choice xmlns:a14="http://schemas.microsoft.com/office/drawing/2010/main" Requires="a14">
+          <p:sp>
+            <p:nvSpPr>
+              <p:cNvPr id="12" name="CasellaDiTesto 11">
+                <a:extLst>
+                  <a:ext uri="{FF2B5EF4-FFF2-40B4-BE49-F238E27FC236}">
+                    <a16:creationId xmlns:a16="http://schemas.microsoft.com/office/drawing/2014/main" id="{E43049CB-4408-4451-80B6-4D18FA010F9A}"/>
+                  </a:ext>
+                </a:extLst>
+              </p:cNvPr>
+              <p:cNvSpPr txBox="1"/>
+              <p:nvPr/>
+            </p:nvSpPr>
+            <p:spPr>
+              <a:xfrm>
+                <a:off x="1355312" y="3818296"/>
+                <a:ext cx="5734601" cy="2976199"/>
+              </a:xfrm>
+              <a:prstGeom prst="rect">
+                <a:avLst/>
+              </a:prstGeom>
+              <a:noFill/>
+            </p:spPr>
+            <p:txBody>
+              <a:bodyPr wrap="square" rtlCol="0">
+                <a:spAutoFit/>
+              </a:bodyPr>
+              <a:lstStyle/>
+              <a:p>
+                <a:r>
+                  <a:rPr lang="it-IT" dirty="0"/>
+                  <a:t>Come è però evidente, il secondo polo non è identificato pari a zero, bensì </a:t>
+                </a:r>
+                <a:r>
+                  <a:rPr lang="it-IT" b="1" dirty="0"/>
+                  <a:t>molto vicino</a:t>
+                </a:r>
+                <a:r>
+                  <a:rPr lang="it-IT" dirty="0"/>
+                  <a:t>. Questo avviene per diverse cause, tra loro correlate:</a:t>
+                </a:r>
+              </a:p>
+              <a:p>
+                <a:pPr marL="285750" indent="-285750">
+                  <a:buFont typeface="Arial" panose="020B0604020202020204" pitchFamily="34" charset="0"/>
+                  <a:buChar char="•"/>
+                </a:pPr>
+                <a:r>
+                  <a:rPr lang="it-IT" dirty="0"/>
+                  <a:t>Il tempo di identificazione è limitato, e poiché un polo in zero ha un transitorio di durata infinita </a:t>
+                </a:r>
+                <a14:m>
+                  <m:oMath xmlns:m="http://schemas.openxmlformats.org/officeDocument/2006/math">
+                    <m:r>
+                      <a:rPr lang="it-IT" b="0" i="0" smtClean="0">
+                        <a:latin typeface="Cambria Math" panose="02040503050406030204" pitchFamily="18" charset="0"/>
+                      </a:rPr>
+                      <m:t>(</m:t>
+                    </m:r>
+                    <m:r>
+                      <a:rPr lang="it-IT" b="1" i="1">
+                        <a:latin typeface="Cambria Math" panose="02040503050406030204" pitchFamily="18" charset="0"/>
+                      </a:rPr>
+                      <m:t>𝒕</m:t>
+                    </m:r>
+                    <m:groupChr>
+                      <m:groupChrPr>
+                        <m:chr m:val="→"/>
+                        <m:pos m:val="top"/>
+                        <m:ctrlPr>
+                          <a:rPr lang="it-IT" b="1" i="1" smtClean="0">
+                            <a:latin typeface="Cambria Math" panose="02040503050406030204" pitchFamily="18" charset="0"/>
+                            <a:ea typeface="Cambria Math" panose="02040503050406030204" pitchFamily="18" charset="0"/>
+                          </a:rPr>
+                        </m:ctrlPr>
+                      </m:groupChrPr>
+                      <m:e>
+                        <m:r>
+                          <m:rPr>
+                            <m:brk m:alnAt="2"/>
+                          </m:rPr>
+                          <a:rPr lang="it-IT" b="1" i="1">
+                            <a:latin typeface="Cambria Math" panose="02040503050406030204" pitchFamily="18" charset="0"/>
+                            <a:ea typeface="Cambria Math" panose="02040503050406030204" pitchFamily="18" charset="0"/>
+                          </a:rPr>
+                          <m:t>𝝆</m:t>
+                        </m:r>
+                        <m:r>
+                          <a:rPr lang="it-IT" b="1" i="1">
+                            <a:latin typeface="Cambria Math" panose="02040503050406030204" pitchFamily="18" charset="0"/>
+                            <a:ea typeface="Cambria Math" panose="02040503050406030204" pitchFamily="18" charset="0"/>
+                          </a:rPr>
+                          <m:t>→</m:t>
+                        </m:r>
+                        <m:r>
+                          <a:rPr lang="it-IT" b="1" i="1">
+                            <a:latin typeface="Cambria Math" panose="02040503050406030204" pitchFamily="18" charset="0"/>
+                            <a:ea typeface="Cambria Math" panose="02040503050406030204" pitchFamily="18" charset="0"/>
+                          </a:rPr>
+                          <m:t>𝟎</m:t>
+                        </m:r>
+                      </m:e>
+                    </m:groupChr>
+                    <m:r>
+                      <a:rPr lang="it-IT" b="1" i="1">
+                        <a:latin typeface="Cambria Math" panose="02040503050406030204" pitchFamily="18" charset="0"/>
+                        <a:ea typeface="Cambria Math" panose="02040503050406030204" pitchFamily="18" charset="0"/>
+                      </a:rPr>
+                      <m:t>∞</m:t>
+                    </m:r>
+                    <m:r>
+                      <a:rPr lang="it-IT" b="0" i="1" smtClean="0">
+                        <a:latin typeface="Cambria Math" panose="02040503050406030204" pitchFamily="18" charset="0"/>
+                        <a:ea typeface="Cambria Math" panose="02040503050406030204" pitchFamily="18" charset="0"/>
+                      </a:rPr>
+                      <m:t>)</m:t>
+                    </m:r>
+                  </m:oMath>
+                </a14:m>
+                <a:r>
+                  <a:rPr lang="it-IT" dirty="0"/>
+                  <a:t>, si approssima il polo ad uno che non sia un puro integratore, ma gli si avvicini.</a:t>
+                </a:r>
+              </a:p>
+              <a:p>
+                <a:pPr marL="285750" indent="-285750">
+                  <a:buFont typeface="Arial" panose="020B0604020202020204" pitchFamily="34" charset="0"/>
+                  <a:buChar char="•"/>
+                </a:pPr>
+                <a:r>
+                  <a:rPr lang="it-IT" dirty="0"/>
+                  <a:t>La </a:t>
+                </a:r>
+                <a:r>
+                  <a:rPr lang="it-IT" b="1" dirty="0"/>
+                  <a:t>frequenza di taglio </a:t>
+                </a:r>
+                <a:r>
+                  <a:rPr lang="it-IT" dirty="0"/>
+                  <a:t>è molto vicina a zero, per cui si ha </a:t>
+                </a:r>
+                <a:r>
+                  <a:rPr lang="it-IT" u="sng" dirty="0"/>
+                  <a:t>quasi ovunque</a:t>
+                </a:r>
+                <a:r>
+                  <a:rPr lang="it-IT" dirty="0"/>
+                  <a:t> un andamento di </a:t>
+                </a:r>
+                <a14:m>
+                  <m:oMath xmlns:m="http://schemas.openxmlformats.org/officeDocument/2006/math">
+                    <m:r>
+                      <a:rPr lang="it-IT" b="0" i="0" dirty="0" smtClean="0">
+                        <a:latin typeface="Cambria Math" panose="02040503050406030204" pitchFamily="18" charset="0"/>
+                      </a:rPr>
+                      <m:t> </m:t>
+                    </m:r>
+                    <m:r>
+                      <m:rPr>
+                        <m:nor/>
+                      </m:rPr>
+                      <a:rPr lang="it-IT" b="0" i="0" dirty="0" smtClean="0">
+                        <a:latin typeface="Cambria Math" panose="02040503050406030204" pitchFamily="18" charset="0"/>
+                      </a:rPr>
+                      <m:t>-</m:t>
+                    </m:r>
+                    <m:r>
+                      <m:rPr>
+                        <m:nor/>
+                      </m:rPr>
+                      <a:rPr lang="it-IT" dirty="0"/>
+                      <m:t>20</m:t>
+                    </m:r>
+                    <m:r>
+                      <m:rPr>
+                        <m:nor/>
+                      </m:rPr>
+                      <a:rPr lang="it-IT" dirty="0"/>
+                      <m:t>dB</m:t>
+                    </m:r>
+                    <m:r>
+                      <m:rPr>
+                        <m:nor/>
+                      </m:rPr>
+                      <a:rPr lang="it-IT" dirty="0"/>
+                      <m:t>/</m:t>
+                    </m:r>
+                    <m:r>
+                      <m:rPr>
+                        <m:nor/>
+                      </m:rPr>
+                      <a:rPr lang="it-IT" dirty="0"/>
+                      <m:t>decade</m:t>
+                    </m:r>
+                  </m:oMath>
+                </a14:m>
+                <a:r>
+                  <a:rPr lang="it-IT" dirty="0"/>
+                  <a:t>.</a:t>
+                </a:r>
+              </a:p>
+            </p:txBody>
+          </p:sp>
+        </mc:Choice>
+        <mc:Fallback>
+          <p:sp>
+            <p:nvSpPr>
+              <p:cNvPr id="12" name="CasellaDiTesto 11">
+                <a:extLst>
+                  <a:ext uri="{FF2B5EF4-FFF2-40B4-BE49-F238E27FC236}">
+                    <a16:creationId xmlns:a16="http://schemas.microsoft.com/office/drawing/2014/main" id="{E43049CB-4408-4451-80B6-4D18FA010F9A}"/>
+                  </a:ext>
+                </a:extLst>
+              </p:cNvPr>
+              <p:cNvSpPr txBox="1">
+                <a:spLocks noRot="1" noChangeAspect="1" noMove="1" noResize="1" noEditPoints="1" noAdjustHandles="1" noChangeArrowheads="1" noChangeShapeType="1" noTextEdit="1"/>
+              </p:cNvSpPr>
+              <p:nvPr/>
+            </p:nvSpPr>
+            <p:spPr>
+              <a:xfrm>
+                <a:off x="1355312" y="3818296"/>
+                <a:ext cx="5734601" cy="2976199"/>
+              </a:xfrm>
+              <a:prstGeom prst="rect">
+                <a:avLst/>
+              </a:prstGeom>
+              <a:blipFill>
+                <a:blip r:embed="rId5"/>
+                <a:stretch>
+                  <a:fillRect l="-850" t="-1227" r="-1594" b="-1840"/>
+                </a:stretch>
+              </a:blipFill>
+            </p:spPr>
+            <p:txBody>
+              <a:bodyPr/>
+              <a:lstStyle/>
+              <a:p>
+                <a:r>
+                  <a:rPr lang="it-IT">
+                    <a:noFill/>
+                  </a:rPr>
+                  <a:t> </a:t>
+                </a:r>
+              </a:p>
+            </p:txBody>
+          </p:sp>
+        </mc:Fallback>
+      </mc:AlternateContent>
+    </p:spTree>
+    <p:extLst>
+      <p:ext uri="{BB962C8B-B14F-4D97-AF65-F5344CB8AC3E}">
+        <p14:creationId xmlns:p14="http://schemas.microsoft.com/office/powerpoint/2010/main" val="3367639763"/>
+      </p:ext>
+    </p:extLst>
+  </p:cSld>
+  <p:clrMapOvr>
+    <a:masterClrMapping/>
+  </p:clrMapOvr>
+  <mc:AlternateContent xmlns:mc="http://schemas.openxmlformats.org/markup-compatibility/2006" xmlns:p14="http://schemas.microsoft.com/office/powerpoint/2010/main">
+    <mc:Choice Requires="p14">
+      <p:transition spd="med" p14:dur="700">
+        <p:fade/>
+      </p:transition>
+    </mc:Choice>
+    <mc:Fallback xmlns="">
+      <p:transition spd="med">
+        <p:fade/>
+      </p:transition>
+    </mc:Fallback>
+  </mc:AlternateContent>
+</p:sld>
+</file>
+
+<file path=ppt/slides/slide11.xml><?xml version="1.0" encoding="utf-8"?>
+<p:sld xmlns:a="http://schemas.openxmlformats.org/drawingml/2006/main" xmlns:r="http://schemas.openxmlformats.org/officeDocument/2006/relationships" xmlns:p="http://schemas.openxmlformats.org/presentationml/2006/main">
+  <p:cSld>
+    <p:spTree>
+      <p:nvGrpSpPr>
+        <p:cNvPr id="1" name=""/>
+        <p:cNvGrpSpPr/>
+        <p:nvPr/>
+      </p:nvGrpSpPr>
+      <p:grpSpPr>
+        <a:xfrm>
+          <a:off x="0" y="0"/>
+          <a:ext cx="0" cy="0"/>
+          <a:chOff x="0" y="0"/>
+          <a:chExt cx="0" cy="0"/>
+        </a:xfrm>
+      </p:grpSpPr>
+      <mc:AlternateContent xmlns:mc="http://schemas.openxmlformats.org/markup-compatibility/2006">
+        <mc:Choice xmlns:a14="http://schemas.microsoft.com/office/drawing/2010/main" Requires="a14">
+          <p:sp>
+            <p:nvSpPr>
+              <p:cNvPr id="7" name="CasellaDiTesto 6">
+                <a:extLst>
+                  <a:ext uri="{FF2B5EF4-FFF2-40B4-BE49-F238E27FC236}">
+                    <a16:creationId xmlns:a16="http://schemas.microsoft.com/office/drawing/2014/main" id="{4F32C1D8-D598-4F3C-B653-6EBA141720EC}"/>
+                  </a:ext>
+                </a:extLst>
+              </p:cNvPr>
+              <p:cNvSpPr txBox="1"/>
+              <p:nvPr/>
+            </p:nvSpPr>
+            <p:spPr>
+              <a:xfrm>
+                <a:off x="1236043" y="622508"/>
+                <a:ext cx="6039399" cy="2585323"/>
+              </a:xfrm>
+              <a:prstGeom prst="rect">
+                <a:avLst/>
+              </a:prstGeom>
+              <a:noFill/>
+            </p:spPr>
+            <p:txBody>
+              <a:bodyPr wrap="square" rtlCol="0">
+                <a:spAutoFit/>
+              </a:bodyPr>
+              <a:lstStyle/>
+              <a:p>
+                <a:r>
+                  <a:rPr lang="it-IT" dirty="0"/>
+                  <a:t>L’encoder è un trasduttore di </a:t>
+                </a:r>
+                <a:r>
+                  <a:rPr lang="it-IT" b="1" dirty="0"/>
+                  <a:t>velocità</a:t>
+                </a:r>
+                <a:r>
+                  <a:rPr lang="it-IT" dirty="0"/>
+                  <a:t>, </a:t>
+                </a:r>
+                <a:r>
+                  <a:rPr lang="it-IT" b="1" dirty="0"/>
+                  <a:t>NON </a:t>
+                </a:r>
+                <a:r>
+                  <a:rPr lang="it-IT" dirty="0"/>
+                  <a:t>di </a:t>
+                </a:r>
+                <a:r>
+                  <a:rPr lang="it-IT" b="1" dirty="0"/>
+                  <a:t>posizione</a:t>
+                </a:r>
+                <a:r>
+                  <a:rPr lang="it-IT" dirty="0"/>
+                  <a:t>!</a:t>
+                </a:r>
+              </a:p>
+              <a:p>
+                <a:r>
+                  <a:rPr lang="it-IT" dirty="0"/>
+                  <a:t>Quando andiamo a misurare i passi percorsi in un intervallo di tempo, andiamo a fare un </a:t>
+                </a:r>
+                <a:r>
+                  <a:rPr lang="it-IT" u="sng" dirty="0"/>
+                  <a:t>integrale discreto</a:t>
+                </a:r>
+                <a:r>
+                  <a:rPr lang="it-IT" dirty="0"/>
+                  <a:t> (</a:t>
+                </a:r>
+                <a14:m>
+                  <m:oMath xmlns:m="http://schemas.openxmlformats.org/officeDocument/2006/math">
+                    <m:r>
+                      <a:rPr lang="it-IT" b="1" i="1" smtClean="0">
+                        <a:latin typeface="Cambria Math" panose="02040503050406030204" pitchFamily="18" charset="0"/>
+                        <a:ea typeface="Cambria Math" panose="02040503050406030204" pitchFamily="18" charset="0"/>
+                      </a:rPr>
+                      <m:t>≡</m:t>
+                    </m:r>
+                  </m:oMath>
+                </a14:m>
+                <a:r>
+                  <a:rPr lang="it-IT" dirty="0"/>
+                  <a:t>somma), ma poiché questo sensore è molto rumoroso, andiamo ad integrare anche il rumore!</a:t>
+                </a:r>
+              </a:p>
+              <a:p>
+                <a:r>
+                  <a:rPr lang="it-IT" b="1" dirty="0"/>
+                  <a:t>Ne consegue </a:t>
+                </a:r>
+                <a:r>
+                  <a:rPr lang="it-IT" dirty="0"/>
+                  <a:t>che la funzione di stima interpreta queste variazioni come il polo ‘’quasi’’ integratore trovato in precedenza.</a:t>
+                </a:r>
+                <a:endParaRPr lang="it-IT" b="1" dirty="0"/>
+              </a:p>
+            </p:txBody>
+          </p:sp>
+        </mc:Choice>
+        <mc:Fallback>
+          <p:sp>
+            <p:nvSpPr>
+              <p:cNvPr id="7" name="CasellaDiTesto 6">
+                <a:extLst>
+                  <a:ext uri="{FF2B5EF4-FFF2-40B4-BE49-F238E27FC236}">
+                    <a16:creationId xmlns:a16="http://schemas.microsoft.com/office/drawing/2014/main" id="{4F32C1D8-D598-4F3C-B653-6EBA141720EC}"/>
+                  </a:ext>
+                </a:extLst>
+              </p:cNvPr>
+              <p:cNvSpPr txBox="1">
+                <a:spLocks noRot="1" noChangeAspect="1" noMove="1" noResize="1" noEditPoints="1" noAdjustHandles="1" noChangeArrowheads="1" noChangeShapeType="1" noTextEdit="1"/>
+              </p:cNvSpPr>
+              <p:nvPr/>
+            </p:nvSpPr>
+            <p:spPr>
+              <a:xfrm>
+                <a:off x="1236043" y="622508"/>
+                <a:ext cx="6039399" cy="2585323"/>
+              </a:xfrm>
+              <a:prstGeom prst="rect">
+                <a:avLst/>
+              </a:prstGeom>
+              <a:blipFill>
+                <a:blip r:embed="rId2"/>
+                <a:stretch>
+                  <a:fillRect l="-909" t="-1415" r="-505" b="-2594"/>
+                </a:stretch>
+              </a:blipFill>
+            </p:spPr>
+            <p:txBody>
+              <a:bodyPr/>
+              <a:lstStyle/>
+              <a:p>
+                <a:r>
+                  <a:rPr lang="it-IT">
+                    <a:noFill/>
+                  </a:rPr>
+                  <a:t> </a:t>
+                </a:r>
+              </a:p>
+            </p:txBody>
+          </p:sp>
+        </mc:Fallback>
+      </mc:AlternateContent>
+      <p:sp>
+        <p:nvSpPr>
+          <p:cNvPr id="8" name="Titolo 1">
+            <a:extLst>
+              <a:ext uri="{FF2B5EF4-FFF2-40B4-BE49-F238E27FC236}">
+                <a16:creationId xmlns:a16="http://schemas.microsoft.com/office/drawing/2014/main" id="{B30D08BB-6FB8-4B24-8073-4FE7C6EDC2E4}"/>
+              </a:ext>
+            </a:extLst>
+          </p:cNvPr>
+          <p:cNvSpPr>
+            <a:spLocks noGrp="1"/>
+          </p:cNvSpPr>
+          <p:nvPr>
+            <p:ph type="title"/>
+          </p:nvPr>
+        </p:nvSpPr>
+        <p:spPr>
+          <a:xfrm>
+            <a:off x="1236044" y="0"/>
+            <a:ext cx="6039396" cy="622508"/>
+          </a:xfrm>
+        </p:spPr>
+        <p:txBody>
+          <a:bodyPr>
+            <a:normAutofit/>
+          </a:bodyPr>
+          <a:lstStyle/>
+          <a:p>
+            <a:r>
+              <a:rPr lang="it-IT" sz="3000" dirty="0"/>
+              <a:t>Come mai tale comportamento?</a:t>
+            </a:r>
+          </a:p>
+        </p:txBody>
+      </p:sp>
+      <mc:AlternateContent xmlns:mc="http://schemas.openxmlformats.org/markup-compatibility/2006">
+        <mc:Choice xmlns:a14="http://schemas.microsoft.com/office/drawing/2010/main" Requires="a14">
+          <p:sp>
+            <p:nvSpPr>
+              <p:cNvPr id="9" name="CasellaDiTesto 8">
+                <a:extLst>
+                  <a:ext uri="{FF2B5EF4-FFF2-40B4-BE49-F238E27FC236}">
+                    <a16:creationId xmlns:a16="http://schemas.microsoft.com/office/drawing/2014/main" id="{A2291430-EB06-4BE8-9611-AA1D52BB3162}"/>
+                  </a:ext>
+                </a:extLst>
+              </p:cNvPr>
+              <p:cNvSpPr txBox="1"/>
+              <p:nvPr/>
+            </p:nvSpPr>
+            <p:spPr>
+              <a:xfrm>
+                <a:off x="1236042" y="3207831"/>
+                <a:ext cx="6039398" cy="2308324"/>
+              </a:xfrm>
+              <a:prstGeom prst="rect">
+                <a:avLst/>
+              </a:prstGeom>
+              <a:noFill/>
+            </p:spPr>
+            <p:txBody>
+              <a:bodyPr wrap="square" rtlCol="0">
+                <a:spAutoFit/>
+              </a:bodyPr>
+              <a:lstStyle/>
+              <a:p>
+                <a:r>
+                  <a:rPr lang="it-IT" dirty="0"/>
+                  <a:t>Possiamo risolvere questo problema tramite due strade: </a:t>
+                </a:r>
+              </a:p>
+              <a:p>
+                <a:pPr marL="342900" indent="-342900">
+                  <a:buFont typeface="+mj-lt"/>
+                  <a:buAutoNum type="arabicPeriod"/>
+                </a:pPr>
+                <a:r>
+                  <a:rPr lang="it-IT" u="sng" dirty="0"/>
+                  <a:t>Effettuare l’identificazione a </a:t>
+                </a:r>
+                <a:r>
+                  <a:rPr lang="it-IT" b="1" u="sng" dirty="0"/>
+                  <a:t>tempo discreto</a:t>
+                </a:r>
+                <a:r>
+                  <a:rPr lang="it-IT" dirty="0"/>
+                  <a:t>: la funzione tfest() prevede questa possibilità, e attuerà di conseguenza meccanismi per trovare poli fino alla precisione consentita dal campionamento.</a:t>
+                </a:r>
+                <a:br>
+                  <a:rPr lang="it-IT" dirty="0"/>
+                </a:br>
+                <a:r>
+                  <a:rPr lang="it-IT" dirty="0"/>
+                  <a:t>Come visibile, il polo </a:t>
+                </a:r>
+                <a:r>
+                  <a:rPr lang="it-IT" u="sng" dirty="0"/>
+                  <a:t>vicino a zero</a:t>
+                </a:r>
+                <a:r>
+                  <a:rPr lang="it-IT" dirty="0"/>
+                  <a:t> nel continuo, è diventato un polo in 1 nel discreto (e usando la formula </a:t>
+                </a:r>
+                <a14:m>
+                  <m:oMath xmlns:m="http://schemas.openxmlformats.org/officeDocument/2006/math">
+                    <m:r>
+                      <m:rPr>
+                        <m:sty m:val="p"/>
+                      </m:rPr>
+                      <a:rPr lang="it-IT" b="0" i="0" smtClean="0">
+                        <a:latin typeface="Cambria Math" panose="02040503050406030204" pitchFamily="18" charset="0"/>
+                      </a:rPr>
+                      <m:t>z</m:t>
+                    </m:r>
+                    <m:r>
+                      <a:rPr lang="it-IT" b="0" i="0" smtClean="0">
+                        <a:latin typeface="Cambria Math" panose="02040503050406030204" pitchFamily="18" charset="0"/>
+                      </a:rPr>
+                      <m:t>=</m:t>
+                    </m:r>
+                    <m:sSup>
+                      <m:sSupPr>
+                        <m:ctrlPr>
+                          <a:rPr lang="it-IT" b="0" i="1" smtClean="0">
+                            <a:latin typeface="Cambria Math" panose="02040503050406030204" pitchFamily="18" charset="0"/>
+                          </a:rPr>
+                        </m:ctrlPr>
+                      </m:sSupPr>
+                      <m:e>
+                        <m:r>
+                          <a:rPr lang="it-IT" b="0" i="1" smtClean="0">
+                            <a:latin typeface="Cambria Math" panose="02040503050406030204" pitchFamily="18" charset="0"/>
+                          </a:rPr>
+                          <m:t>𝑒</m:t>
+                        </m:r>
+                      </m:e>
+                      <m:sup>
+                        <m:r>
+                          <a:rPr lang="it-IT" b="0" i="1" smtClean="0">
+                            <a:latin typeface="Cambria Math" panose="02040503050406030204" pitchFamily="18" charset="0"/>
+                          </a:rPr>
+                          <m:t>𝑠</m:t>
+                        </m:r>
+                        <m:sSub>
+                          <m:sSubPr>
+                            <m:ctrlPr>
+                              <a:rPr lang="it-IT" b="0" i="1" smtClean="0">
+                                <a:latin typeface="Cambria Math" panose="02040503050406030204" pitchFamily="18" charset="0"/>
+                              </a:rPr>
+                            </m:ctrlPr>
+                          </m:sSubPr>
+                          <m:e>
+                            <m:r>
+                              <a:rPr lang="it-IT" b="0" i="1" smtClean="0">
+                                <a:latin typeface="Cambria Math" panose="02040503050406030204" pitchFamily="18" charset="0"/>
+                                <a:ea typeface="Cambria Math" panose="02040503050406030204" pitchFamily="18" charset="0"/>
+                              </a:rPr>
+                              <m:t>∙</m:t>
+                            </m:r>
+                            <m:r>
+                              <a:rPr lang="it-IT" b="0" i="1" smtClean="0">
+                                <a:latin typeface="Cambria Math" panose="02040503050406030204" pitchFamily="18" charset="0"/>
+                              </a:rPr>
+                              <m:t>𝑇</m:t>
+                            </m:r>
+                          </m:e>
+                          <m:sub>
+                            <m:r>
+                              <a:rPr lang="it-IT" b="0" i="1" smtClean="0">
+                                <a:latin typeface="Cambria Math" panose="02040503050406030204" pitchFamily="18" charset="0"/>
+                              </a:rPr>
+                              <m:t>𝑠</m:t>
+                            </m:r>
+                          </m:sub>
+                        </m:sSub>
+                      </m:sup>
+                    </m:sSup>
+                  </m:oMath>
+                </a14:m>
+                <a:r>
+                  <a:rPr lang="it-IT" dirty="0"/>
+                  <a:t>, si vede è proprio 0 stavolta!)</a:t>
+                </a:r>
+              </a:p>
+            </p:txBody>
+          </p:sp>
+        </mc:Choice>
+        <mc:Fallback>
+          <p:sp>
+            <p:nvSpPr>
+              <p:cNvPr id="9" name="CasellaDiTesto 8">
+                <a:extLst>
+                  <a:ext uri="{FF2B5EF4-FFF2-40B4-BE49-F238E27FC236}">
+                    <a16:creationId xmlns:a16="http://schemas.microsoft.com/office/drawing/2014/main" id="{A2291430-EB06-4BE8-9611-AA1D52BB3162}"/>
+                  </a:ext>
+                </a:extLst>
+              </p:cNvPr>
+              <p:cNvSpPr txBox="1">
+                <a:spLocks noRot="1" noChangeAspect="1" noMove="1" noResize="1" noEditPoints="1" noAdjustHandles="1" noChangeArrowheads="1" noChangeShapeType="1" noTextEdit="1"/>
+              </p:cNvSpPr>
+              <p:nvPr/>
+            </p:nvSpPr>
+            <p:spPr>
+              <a:xfrm>
+                <a:off x="1236042" y="3207831"/>
+                <a:ext cx="6039398" cy="2308324"/>
+              </a:xfrm>
+              <a:prstGeom prst="rect">
+                <a:avLst/>
+              </a:prstGeom>
+              <a:blipFill>
+                <a:blip r:embed="rId3"/>
+                <a:stretch>
+                  <a:fillRect l="-1111" t="-1583" r="-1717" b="-2902"/>
+                </a:stretch>
+              </a:blipFill>
+            </p:spPr>
+            <p:txBody>
+              <a:bodyPr/>
+              <a:lstStyle/>
+              <a:p>
+                <a:r>
+                  <a:rPr lang="it-IT">
+                    <a:noFill/>
+                  </a:rPr>
+                  <a:t> </a:t>
+                </a:r>
+              </a:p>
+            </p:txBody>
+          </p:sp>
+        </mc:Fallback>
+      </mc:AlternateContent>
+      <p:pic>
+        <p:nvPicPr>
+          <p:cNvPr id="11" name="Immagine 10" descr="Immagine che contiene testo, mappa&#10;&#10;Descrizione generata automaticamente">
+            <a:extLst>
+              <a:ext uri="{FF2B5EF4-FFF2-40B4-BE49-F238E27FC236}">
+                <a16:creationId xmlns:a16="http://schemas.microsoft.com/office/drawing/2014/main" id="{B83FA614-B6A2-49CA-9434-AC8B1F770ED8}"/>
+              </a:ext>
+            </a:extLst>
+          </p:cNvPr>
+          <p:cNvPicPr>
+            <a:picLocks noChangeAspect="1"/>
+          </p:cNvPicPr>
+          <p:nvPr/>
+        </p:nvPicPr>
+        <p:blipFill>
+          <a:blip r:embed="rId4">
+            <a:extLst>
+              <a:ext uri="{28A0092B-C50C-407E-A947-70E740481C1C}">
+                <a14:useLocalDpi xmlns:a14="http://schemas.microsoft.com/office/drawing/2010/main" val="0"/>
+              </a:ext>
+            </a:extLst>
+          </a:blip>
+          <a:stretch>
+            <a:fillRect/>
+          </a:stretch>
+        </p:blipFill>
+        <p:spPr>
+          <a:xfrm>
+            <a:off x="7275440" y="0"/>
+            <a:ext cx="4612268" cy="3525262"/>
+          </a:xfrm>
+          <a:prstGeom prst="rect">
+            <a:avLst/>
+          </a:prstGeom>
+        </p:spPr>
+      </p:pic>
+      <p:sp>
+        <p:nvSpPr>
+          <p:cNvPr id="12" name="CasellaDiTesto 11">
+            <a:extLst>
+              <a:ext uri="{FF2B5EF4-FFF2-40B4-BE49-F238E27FC236}">
+                <a16:creationId xmlns:a16="http://schemas.microsoft.com/office/drawing/2014/main" id="{0875F739-C0D2-41B9-9653-F2A3DF38FCE9}"/>
+              </a:ext>
+            </a:extLst>
+          </p:cNvPr>
+          <p:cNvSpPr txBox="1"/>
+          <p:nvPr/>
+        </p:nvSpPr>
+        <p:spPr>
+          <a:xfrm>
+            <a:off x="1236042" y="5516155"/>
+            <a:ext cx="6039398" cy="1200329"/>
+          </a:xfrm>
+          <a:prstGeom prst="rect">
+            <a:avLst/>
+          </a:prstGeom>
+          <a:noFill/>
+        </p:spPr>
+        <p:txBody>
+          <a:bodyPr wrap="square" rtlCol="0">
+            <a:spAutoFit/>
+          </a:bodyPr>
+          <a:lstStyle/>
+          <a:p>
+            <a:r>
+              <a:rPr lang="it-IT" b="1" dirty="0"/>
+              <a:t>Difetto:</a:t>
+            </a:r>
+            <a:r>
+              <a:rPr lang="it-IT" dirty="0"/>
+              <a:t> siamo obbligati a continuare TUTTA la trattazione nel discreto, poiché la conversione ad esempio con </a:t>
+            </a:r>
+            <a:r>
+              <a:rPr lang="it-IT" u="sng" dirty="0"/>
+              <a:t>d2c()</a:t>
+            </a:r>
+            <a:r>
+              <a:rPr lang="it-IT" dirty="0"/>
+              <a:t> non permette di ottenere un risultato soddisfacente.</a:t>
+            </a:r>
+            <a:endParaRPr lang="it-IT" b="1" u="sng" dirty="0"/>
+          </a:p>
+        </p:txBody>
+      </p:sp>
+      <p:pic>
+        <p:nvPicPr>
+          <p:cNvPr id="14" name="Immagine 13" descr="Immagine che contiene mappa, testo&#10;&#10;Descrizione generata automaticamente">
+            <a:extLst>
+              <a:ext uri="{FF2B5EF4-FFF2-40B4-BE49-F238E27FC236}">
+                <a16:creationId xmlns:a16="http://schemas.microsoft.com/office/drawing/2014/main" id="{302FC55C-B483-4CFD-9AF9-20FC2D83759E}"/>
+              </a:ext>
+            </a:extLst>
+          </p:cNvPr>
+          <p:cNvPicPr>
+            <a:picLocks noChangeAspect="1"/>
+          </p:cNvPicPr>
+          <p:nvPr/>
+        </p:nvPicPr>
+        <p:blipFill>
+          <a:blip r:embed="rId5">
+            <a:extLst>
+              <a:ext uri="{28A0092B-C50C-407E-A947-70E740481C1C}">
+                <a14:useLocalDpi xmlns:a14="http://schemas.microsoft.com/office/drawing/2010/main" val="0"/>
+              </a:ext>
+            </a:extLst>
+          </a:blip>
+          <a:stretch>
+            <a:fillRect/>
+          </a:stretch>
+        </p:blipFill>
+        <p:spPr>
+          <a:xfrm>
+            <a:off x="7746358" y="3674745"/>
+            <a:ext cx="3670431" cy="3183255"/>
+          </a:xfrm>
+          <a:prstGeom prst="rect">
+            <a:avLst/>
+          </a:prstGeom>
+        </p:spPr>
+      </p:pic>
+    </p:spTree>
+    <p:extLst>
+      <p:ext uri="{BB962C8B-B14F-4D97-AF65-F5344CB8AC3E}">
+        <p14:creationId xmlns:p14="http://schemas.microsoft.com/office/powerpoint/2010/main" val="4290260405"/>
+      </p:ext>
+    </p:extLst>
+  </p:cSld>
+  <p:clrMapOvr>
+    <a:masterClrMapping/>
+  </p:clrMapOvr>
+  <mc:AlternateContent xmlns:mc="http://schemas.openxmlformats.org/markup-compatibility/2006" xmlns:p14="http://schemas.microsoft.com/office/powerpoint/2010/main">
+    <mc:Choice Requires="p14">
+      <p:transition spd="med" p14:dur="700">
+        <p:fade/>
+      </p:transition>
+    </mc:Choice>
+    <mc:Fallback xmlns="">
+      <p:transition spd="med">
+        <p:fade/>
+      </p:transition>
+    </mc:Fallback>
+  </mc:AlternateContent>
+</p:sld>
+</file>
+
+<file path=ppt/slides/slide12.xml><?xml version="1.0" encoding="utf-8"?>
+<p:sld xmlns:a="http://schemas.openxmlformats.org/drawingml/2006/main" xmlns:r="http://schemas.openxmlformats.org/officeDocument/2006/relationships" xmlns:p="http://schemas.openxmlformats.org/presentationml/2006/main">
+  <p:cSld>
+    <p:spTree>
+      <p:nvGrpSpPr>
+        <p:cNvPr id="1" name=""/>
+        <p:cNvGrpSpPr/>
+        <p:nvPr/>
+      </p:nvGrpSpPr>
+      <p:grpSpPr>
+        <a:xfrm>
+          <a:off x="0" y="0"/>
+          <a:ext cx="0" cy="0"/>
+          <a:chOff x="0" y="0"/>
+          <a:chExt cx="0" cy="0"/>
+        </a:xfrm>
+      </p:grpSpPr>
+      <mc:AlternateContent xmlns:mc="http://schemas.openxmlformats.org/markup-compatibility/2006">
+        <mc:Choice xmlns:a14="http://schemas.microsoft.com/office/drawing/2010/main" Requires="a14">
+          <p:sp>
+            <p:nvSpPr>
+              <p:cNvPr id="7" name="CasellaDiTesto 6">
+                <a:extLst>
+                  <a:ext uri="{FF2B5EF4-FFF2-40B4-BE49-F238E27FC236}">
+                    <a16:creationId xmlns:a16="http://schemas.microsoft.com/office/drawing/2014/main" id="{E57BF8C2-262C-4423-90E6-D08DC553FADF}"/>
+                  </a:ext>
+                </a:extLst>
+              </p:cNvPr>
+              <p:cNvSpPr txBox="1"/>
+              <p:nvPr/>
+            </p:nvSpPr>
+            <p:spPr>
+              <a:xfrm>
+                <a:off x="1431234" y="1615827"/>
+                <a:ext cx="4967741" cy="2862322"/>
+              </a:xfrm>
+              <a:prstGeom prst="rect">
+                <a:avLst/>
+              </a:prstGeom>
+              <a:noFill/>
+            </p:spPr>
+            <p:txBody>
+              <a:bodyPr wrap="square" rtlCol="0">
+                <a:spAutoFit/>
+              </a:bodyPr>
+              <a:lstStyle/>
+              <a:p>
+                <a:pPr marL="342900" indent="-342900">
+                  <a:buFont typeface="+mj-lt"/>
+                  <a:buAutoNum type="arabicPeriod" startAt="2"/>
+                </a:pPr>
+                <a:r>
+                  <a:rPr lang="it-IT" b="1" u="sng" dirty="0"/>
+                  <a:t>Ignorare </a:t>
+                </a:r>
+                <a:r>
+                  <a:rPr lang="it-IT" u="sng" dirty="0"/>
+                  <a:t>i poli derivatori e integratori</a:t>
+                </a:r>
+                <a:r>
+                  <a:rPr lang="it-IT" dirty="0"/>
+                  <a:t>:</a:t>
+                </a:r>
+                <a:br>
+                  <a:rPr lang="it-IT" dirty="0"/>
+                </a:br>
+                <a:r>
+                  <a:rPr lang="it-IT" dirty="0"/>
+                  <a:t>Infatti, poiché è nota a priori la loro presenza, possiamo abbassare il grado della funzione di trasferimento da identificare, trovando così solo i valori numerici dei poli con transitorio </a:t>
+                </a:r>
+                <a:r>
+                  <a:rPr lang="it-IT" b="1" dirty="0"/>
+                  <a:t>finito</a:t>
+                </a:r>
+                <a:r>
+                  <a:rPr lang="it-IT" dirty="0"/>
+                  <a:t> (nel nostro caso, solamente </a:t>
+                </a:r>
+                <a14:m>
+                  <m:oMath xmlns:m="http://schemas.openxmlformats.org/officeDocument/2006/math">
+                    <m:r>
+                      <a:rPr lang="it-IT" b="1" i="1" smtClean="0">
+                        <a:latin typeface="Cambria Math" panose="02040503050406030204" pitchFamily="18" charset="0"/>
+                        <a:ea typeface="Cambria Math" panose="02040503050406030204" pitchFamily="18" charset="0"/>
+                      </a:rPr>
+                      <m:t>𝝆</m:t>
+                    </m:r>
+                  </m:oMath>
+                </a14:m>
+                <a:r>
+                  <a:rPr lang="it-IT" dirty="0"/>
+                  <a:t>).</a:t>
+                </a:r>
+                <a:br>
+                  <a:rPr lang="it-IT" dirty="0"/>
+                </a:br>
+                <a:r>
+                  <a:rPr lang="it-IT" dirty="0"/>
+                  <a:t>Una volta trovati i valori, possiamo aggiungere poli e zeri in 0 (</a:t>
+                </a:r>
+                <a14:m>
+                  <m:oMath xmlns:m="http://schemas.openxmlformats.org/officeDocument/2006/math">
+                    <m:r>
+                      <a:rPr lang="it-IT" i="1" smtClean="0">
+                        <a:latin typeface="Cambria Math" panose="02040503050406030204" pitchFamily="18" charset="0"/>
+                        <a:ea typeface="Cambria Math" panose="02040503050406030204" pitchFamily="18" charset="0"/>
+                      </a:rPr>
+                      <m:t>⇒</m:t>
+                    </m:r>
+                  </m:oMath>
+                </a14:m>
+                <a:r>
+                  <a:rPr lang="it-IT" dirty="0"/>
+                  <a:t>Integratore e derivatore) e utilizzare il modello totale.</a:t>
+                </a:r>
+              </a:p>
+            </p:txBody>
+          </p:sp>
+        </mc:Choice>
+        <mc:Fallback>
+          <p:sp>
+            <p:nvSpPr>
+              <p:cNvPr id="7" name="CasellaDiTesto 6">
+                <a:extLst>
+                  <a:ext uri="{FF2B5EF4-FFF2-40B4-BE49-F238E27FC236}">
+                    <a16:creationId xmlns:a16="http://schemas.microsoft.com/office/drawing/2014/main" id="{E57BF8C2-262C-4423-90E6-D08DC553FADF}"/>
+                  </a:ext>
+                </a:extLst>
+              </p:cNvPr>
+              <p:cNvSpPr txBox="1">
+                <a:spLocks noRot="1" noChangeAspect="1" noMove="1" noResize="1" noEditPoints="1" noAdjustHandles="1" noChangeArrowheads="1" noChangeShapeType="1" noTextEdit="1"/>
+              </p:cNvSpPr>
+              <p:nvPr/>
+            </p:nvSpPr>
+            <p:spPr>
+              <a:xfrm>
+                <a:off x="1431234" y="1615827"/>
+                <a:ext cx="4967741" cy="2862322"/>
+              </a:xfrm>
+              <a:prstGeom prst="rect">
+                <a:avLst/>
+              </a:prstGeom>
+              <a:blipFill>
+                <a:blip r:embed="rId2"/>
+                <a:stretch>
+                  <a:fillRect l="-1350" t="-2128" r="-1963" b="-2128"/>
+                </a:stretch>
+              </a:blipFill>
+            </p:spPr>
+            <p:txBody>
+              <a:bodyPr/>
+              <a:lstStyle/>
+              <a:p>
+                <a:r>
+                  <a:rPr lang="it-IT">
+                    <a:noFill/>
+                  </a:rPr>
+                  <a:t> </a:t>
+                </a:r>
+              </a:p>
+            </p:txBody>
+          </p:sp>
+        </mc:Fallback>
+      </mc:AlternateContent>
+      <p:pic>
+        <p:nvPicPr>
+          <p:cNvPr id="8" name="Immagine 7" descr="Immagine che contiene oggetto, orologio&#10;&#10;Descrizione generata automaticamente">
+            <a:extLst>
+              <a:ext uri="{FF2B5EF4-FFF2-40B4-BE49-F238E27FC236}">
+                <a16:creationId xmlns:a16="http://schemas.microsoft.com/office/drawing/2014/main" id="{E300532A-F312-453B-8D20-4388AB9A5539}"/>
+              </a:ext>
+            </a:extLst>
+          </p:cNvPr>
+          <p:cNvPicPr>
+            <a:picLocks noChangeAspect="1"/>
+          </p:cNvPicPr>
+          <p:nvPr/>
+        </p:nvPicPr>
+        <p:blipFill>
+          <a:blip r:embed="rId3">
+            <a:extLst>
+              <a:ext uri="{28A0092B-C50C-407E-A947-70E740481C1C}">
+                <a14:useLocalDpi xmlns:a14="http://schemas.microsoft.com/office/drawing/2010/main" val="0"/>
+              </a:ext>
+            </a:extLst>
+          </a:blip>
+          <a:stretch>
+            <a:fillRect/>
+          </a:stretch>
+        </p:blipFill>
+        <p:spPr>
+          <a:xfrm>
+            <a:off x="6877880" y="2427231"/>
+            <a:ext cx="4967740" cy="1239514"/>
+          </a:xfrm>
+          <a:prstGeom prst="rect">
+            <a:avLst/>
+          </a:prstGeom>
+        </p:spPr>
+      </p:pic>
+      <p:sp>
+        <p:nvSpPr>
+          <p:cNvPr id="9" name="CasellaDiTesto 8">
+            <a:extLst>
+              <a:ext uri="{FF2B5EF4-FFF2-40B4-BE49-F238E27FC236}">
+                <a16:creationId xmlns:a16="http://schemas.microsoft.com/office/drawing/2014/main" id="{62532C34-C105-4AAC-8877-A1E923EF8DF3}"/>
+              </a:ext>
+            </a:extLst>
+          </p:cNvPr>
+          <p:cNvSpPr txBox="1"/>
+          <p:nvPr/>
+        </p:nvSpPr>
+        <p:spPr>
+          <a:xfrm>
+            <a:off x="1431234" y="4756517"/>
+            <a:ext cx="8892209" cy="1477328"/>
+          </a:xfrm>
+          <a:prstGeom prst="rect">
+            <a:avLst/>
+          </a:prstGeom>
+          <a:noFill/>
+        </p:spPr>
+        <p:txBody>
+          <a:bodyPr wrap="square" rtlCol="0">
+            <a:spAutoFit/>
+          </a:bodyPr>
+          <a:lstStyle/>
+          <a:p>
+            <a:r>
+              <a:rPr lang="it-IT" dirty="0"/>
+              <a:t>In questo modo, inoltre:</a:t>
+            </a:r>
+          </a:p>
+          <a:p>
+            <a:pPr marL="285750" indent="-285750">
+              <a:buFont typeface="Arial" panose="020B0604020202020204" pitchFamily="34" charset="0"/>
+              <a:buChar char="•"/>
+            </a:pPr>
+            <a:r>
+              <a:rPr lang="it-IT" dirty="0"/>
+              <a:t>si usa l’encoder secondo il suo reale utilizzo, ovvero trasduttore di velocità;</a:t>
+            </a:r>
+          </a:p>
+          <a:p>
+            <a:pPr marL="285750" indent="-285750">
+              <a:buFont typeface="Arial" panose="020B0604020202020204" pitchFamily="34" charset="0"/>
+              <a:buChar char="•"/>
+            </a:pPr>
+            <a:r>
+              <a:rPr lang="it-IT" dirty="0"/>
+              <a:t>l’analisi può essere fatta sia nel discreto che nel </a:t>
+            </a:r>
+            <a:r>
+              <a:rPr lang="it-IT" u="sng" dirty="0"/>
+              <a:t>continuo</a:t>
+            </a:r>
+            <a:r>
+              <a:rPr lang="it-IT" dirty="0"/>
+              <a:t> indifferentemente</a:t>
+            </a:r>
+            <a:r>
+              <a:rPr lang="it-IT" u="sng" dirty="0"/>
+              <a:t>,</a:t>
+            </a:r>
+            <a:r>
+              <a:rPr lang="it-IT" dirty="0"/>
+              <a:t> con il vantaggio di una più semplice analisi con Laplace/Fourier.</a:t>
+            </a:r>
+          </a:p>
+          <a:p>
+            <a:endParaRPr lang="it-IT" dirty="0"/>
+          </a:p>
+        </p:txBody>
+      </p:sp>
+      <p:sp>
+        <p:nvSpPr>
+          <p:cNvPr id="11" name="Titolo 1">
+            <a:extLst>
+              <a:ext uri="{FF2B5EF4-FFF2-40B4-BE49-F238E27FC236}">
+                <a16:creationId xmlns:a16="http://schemas.microsoft.com/office/drawing/2014/main" id="{4BC02329-CF09-47C9-8C68-1B13B23AF6A6}"/>
+              </a:ext>
+            </a:extLst>
+          </p:cNvPr>
+          <p:cNvSpPr>
+            <a:spLocks noGrp="1"/>
+          </p:cNvSpPr>
+          <p:nvPr>
+            <p:ph type="title"/>
+          </p:nvPr>
+        </p:nvSpPr>
+        <p:spPr>
+          <a:xfrm>
+            <a:off x="1431234" y="714951"/>
+            <a:ext cx="6039396" cy="622508"/>
+          </a:xfrm>
+        </p:spPr>
+        <p:txBody>
+          <a:bodyPr>
+            <a:normAutofit/>
+          </a:bodyPr>
+          <a:lstStyle/>
+          <a:p>
+            <a:r>
+              <a:rPr lang="it-IT" sz="3000" dirty="0"/>
+              <a:t>Soluzione adottata</a:t>
+            </a:r>
+          </a:p>
+        </p:txBody>
+      </p:sp>
+    </p:spTree>
+    <p:extLst>
+      <p:ext uri="{BB962C8B-B14F-4D97-AF65-F5344CB8AC3E}">
+        <p14:creationId xmlns:p14="http://schemas.microsoft.com/office/powerpoint/2010/main" val="2874107403"/>
+      </p:ext>
+    </p:extLst>
+  </p:cSld>
+  <p:clrMapOvr>
+    <a:masterClrMapping/>
+  </p:clrMapOvr>
+  <mc:AlternateContent xmlns:mc="http://schemas.openxmlformats.org/markup-compatibility/2006" xmlns:p14="http://schemas.microsoft.com/office/powerpoint/2010/main">
+    <mc:Choice Requires="p14">
+      <p:transition spd="med" p14:dur="700">
+        <p:fade/>
+      </p:transition>
+    </mc:Choice>
+    <mc:Fallback xmlns="">
+      <p:transition spd="med">
+        <p:fade/>
+      </p:transition>
+    </mc:Fallback>
+  </mc:AlternateContent>
+</p:sld>
+</file>
+
+<file path=ppt/slides/slide13.xml><?xml version="1.0" encoding="utf-8"?>
+<p:sld xmlns:a="http://schemas.openxmlformats.org/drawingml/2006/main" xmlns:r="http://schemas.openxmlformats.org/officeDocument/2006/relationships" xmlns:p="http://schemas.openxmlformats.org/presentationml/2006/main">
+  <p:cSld>
+    <p:spTree>
+      <p:nvGrpSpPr>
+        <p:cNvPr id="1" name=""/>
+        <p:cNvGrpSpPr/>
+        <p:nvPr/>
+      </p:nvGrpSpPr>
+      <p:grpSpPr>
+        <a:xfrm>
+          <a:off x="0" y="0"/>
+          <a:ext cx="0" cy="0"/>
+          <a:chOff x="0" y="0"/>
+          <a:chExt cx="0" cy="0"/>
+        </a:xfrm>
+      </p:grpSpPr>
+      <p:sp>
+        <p:nvSpPr>
+          <p:cNvPr id="2" name="Titolo 1"/>
+          <p:cNvSpPr>
+            <a:spLocks noGrp="1"/>
+          </p:cNvSpPr>
+          <p:nvPr>
+            <p:ph type="title"/>
+          </p:nvPr>
+        </p:nvSpPr>
+        <p:spPr/>
+        <p:txBody>
+          <a:bodyPr rtlCol="0"/>
+          <a:lstStyle/>
+          <a:p>
+            <a:pPr rtl="0"/>
+            <a:r>
+              <a:rPr lang="it-IT" dirty="0"/>
+              <a:t>…verificarne la veridicità…</a:t>
+            </a:r>
+          </a:p>
+        </p:txBody>
+      </p:sp>
+      <p:pic>
+        <p:nvPicPr>
+          <p:cNvPr id="3" name="Immagine 2" descr="Immagine che contiene screenshot, microonde&#10;&#10;Descrizione generata automaticamente">
+            <a:extLst>
+              <a:ext uri="{FF2B5EF4-FFF2-40B4-BE49-F238E27FC236}">
+                <a16:creationId xmlns:a16="http://schemas.microsoft.com/office/drawing/2014/main" id="{125518C2-C8D1-4B05-BB5A-B98E39E99608}"/>
+              </a:ext>
+            </a:extLst>
+          </p:cNvPr>
+          <p:cNvPicPr>
+            <a:picLocks noChangeAspect="1"/>
+          </p:cNvPicPr>
+          <p:nvPr/>
+        </p:nvPicPr>
+        <p:blipFill>
+          <a:blip r:embed="rId3">
+            <a:extLst>
+              <a:ext uri="{28A0092B-C50C-407E-A947-70E740481C1C}">
+                <a14:useLocalDpi xmlns:a14="http://schemas.microsoft.com/office/drawing/2010/main" val="0"/>
+              </a:ext>
+            </a:extLst>
+          </a:blip>
+          <a:stretch>
+            <a:fillRect/>
+          </a:stretch>
+        </p:blipFill>
+        <p:spPr>
+          <a:xfrm>
+            <a:off x="5493065" y="1418163"/>
+            <a:ext cx="5884761" cy="5438945"/>
+          </a:xfrm>
+          <a:prstGeom prst="rect">
+            <a:avLst/>
+          </a:prstGeom>
+        </p:spPr>
+      </p:pic>
+      <p:sp>
+        <p:nvSpPr>
+          <p:cNvPr id="4" name="CasellaDiTesto 3">
+            <a:extLst>
+              <a:ext uri="{FF2B5EF4-FFF2-40B4-BE49-F238E27FC236}">
+                <a16:creationId xmlns:a16="http://schemas.microsoft.com/office/drawing/2014/main" id="{8497A958-111D-41C4-AED4-5EB27DA1D7E5}"/>
+              </a:ext>
+            </a:extLst>
+          </p:cNvPr>
+          <p:cNvSpPr txBox="1"/>
+          <p:nvPr/>
+        </p:nvSpPr>
+        <p:spPr>
+          <a:xfrm>
+            <a:off x="1595025" y="2001450"/>
+            <a:ext cx="3229098" cy="2030796"/>
+          </a:xfrm>
+          <a:prstGeom prst="rect">
+            <a:avLst/>
+          </a:prstGeom>
+          <a:noFill/>
+        </p:spPr>
+        <p:txBody>
+          <a:bodyPr wrap="square" rtlCol="0">
+            <a:spAutoFit/>
+          </a:bodyPr>
+          <a:lstStyle/>
+          <a:p>
+            <a:r>
+              <a:rPr lang="it-IT" sz="1799" dirty="0"/>
+              <a:t>Come visibile, il risulto è molto preciso, e confrontando la simulazione ottenuta con i dati raccolti sperimentalmente, è apprezzabile la bontà della stima.</a:t>
+            </a:r>
+          </a:p>
+        </p:txBody>
+      </p:sp>
+    </p:spTree>
+    <p:extLst>
+      <p:ext uri="{BB962C8B-B14F-4D97-AF65-F5344CB8AC3E}">
+        <p14:creationId xmlns:p14="http://schemas.microsoft.com/office/powerpoint/2010/main" val="298989853"/>
+      </p:ext>
+    </p:extLst>
+  </p:cSld>
+  <p:clrMapOvr>
+    <a:masterClrMapping/>
+  </p:clrMapOvr>
+  <mc:AlternateContent xmlns:mc="http://schemas.openxmlformats.org/markup-compatibility/2006" xmlns:p14="http://schemas.microsoft.com/office/powerpoint/2010/main">
+    <mc:Choice Requires="p14">
+      <p:transition spd="med" p14:dur="700">
+        <p:fade/>
+      </p:transition>
+    </mc:Choice>
+    <mc:Fallback xmlns="">
+      <p:transition spd="med">
+        <p:fade/>
+      </p:transition>
+    </mc:Fallback>
+  </mc:AlternateContent>
+</p:sld>
+</file>
+
+<file path=ppt/slides/slide14.xml><?xml version="1.0" encoding="utf-8"?>
+<p:sld xmlns:a="http://schemas.openxmlformats.org/drawingml/2006/main" xmlns:r="http://schemas.openxmlformats.org/officeDocument/2006/relationships" xmlns:p="http://schemas.openxmlformats.org/presentationml/2006/main">
+  <p:cSld>
+    <p:spTree>
+      <p:nvGrpSpPr>
+        <p:cNvPr id="1" name=""/>
+        <p:cNvGrpSpPr/>
+        <p:nvPr/>
+      </p:nvGrpSpPr>
+      <p:grpSpPr>
+        <a:xfrm>
+          <a:off x="0" y="0"/>
+          <a:ext cx="0" cy="0"/>
+          <a:chOff x="0" y="0"/>
+          <a:chExt cx="0" cy="0"/>
+        </a:xfrm>
+      </p:grpSpPr>
+      <p:sp>
+        <p:nvSpPr>
           <p:cNvPr id="2" name="Titolo 1"/>
           <p:cNvSpPr>
             <a:spLocks noGrp="1"/>
@@ -5347,7 +6916,7 @@
 </p:sld>
 </file>
 
-<file path=ppt/slides/slide11.xml><?xml version="1.0" encoding="utf-8"?>
+<file path=ppt/slides/slide15.xml><?xml version="1.0" encoding="utf-8"?>
 <p:sld xmlns:a="http://schemas.openxmlformats.org/drawingml/2006/main" xmlns:r="http://schemas.openxmlformats.org/officeDocument/2006/relationships" xmlns:p="http://schemas.openxmlformats.org/presentationml/2006/main">
   <p:cSld>
     <p:spTree>
@@ -5545,7 +7114,7 @@
 </p:sld>
 </file>
 
-<file path=ppt/slides/slide12.xml><?xml version="1.0" encoding="utf-8"?>
+<file path=ppt/slides/slide16.xml><?xml version="1.0" encoding="utf-8"?>
 <p:sld xmlns:a="http://schemas.openxmlformats.org/drawingml/2006/main" xmlns:r="http://schemas.openxmlformats.org/officeDocument/2006/relationships" xmlns:p="http://schemas.openxmlformats.org/presentationml/2006/main">
   <p:cSld>
     <p:spTree>
@@ -5762,7 +7331,7 @@
 </p:sld>
 </file>
 
-<file path=ppt/slides/slide13.xml><?xml version="1.0" encoding="utf-8"?>
+<file path=ppt/slides/slide17.xml><?xml version="1.0" encoding="utf-8"?>
 <p:sld xmlns:a="http://schemas.openxmlformats.org/drawingml/2006/main" xmlns:r="http://schemas.openxmlformats.org/officeDocument/2006/relationships" xmlns:p="http://schemas.openxmlformats.org/presentationml/2006/main">
   <p:cSld>
     <p:spTree>
@@ -6095,7 +7664,7 @@
 </p:sld>
 </file>
 
-<file path=ppt/slides/slide14.xml><?xml version="1.0" encoding="utf-8"?>
+<file path=ppt/slides/slide18.xml><?xml version="1.0" encoding="utf-8"?>
 <p:sld xmlns:a="http://schemas.openxmlformats.org/drawingml/2006/main" xmlns:r="http://schemas.openxmlformats.org/officeDocument/2006/relationships" xmlns:p="http://schemas.openxmlformats.org/presentationml/2006/main">
   <p:cSld>
     <p:spTree>
@@ -6260,7 +7829,7 @@
 </p:sld>
 </file>
 
-<file path=ppt/slides/slide15.xml><?xml version="1.0" encoding="utf-8"?>
+<file path=ppt/slides/slide19.xml><?xml version="1.0" encoding="utf-8"?>
 <p:sld xmlns:a="http://schemas.openxmlformats.org/drawingml/2006/main" xmlns:r="http://schemas.openxmlformats.org/officeDocument/2006/relationships" xmlns:p="http://schemas.openxmlformats.org/presentationml/2006/main">
   <p:cSld>
     <p:spTree>
@@ -6541,7 +8110,395 @@
 </p:sld>
 </file>
 
-<file path=ppt/slides/slide16.xml><?xml version="1.0" encoding="utf-8"?>
+<file path=ppt/slides/slide2.xml><?xml version="1.0" encoding="utf-8"?>
+<p:sld xmlns:a="http://schemas.openxmlformats.org/drawingml/2006/main" xmlns:r="http://schemas.openxmlformats.org/officeDocument/2006/relationships" xmlns:p="http://schemas.openxmlformats.org/presentationml/2006/main">
+  <p:cSld>
+    <p:spTree>
+      <p:nvGrpSpPr>
+        <p:cNvPr id="1" name=""/>
+        <p:cNvGrpSpPr/>
+        <p:nvPr/>
+      </p:nvGrpSpPr>
+      <p:grpSpPr>
+        <a:xfrm>
+          <a:off x="0" y="0"/>
+          <a:ext cx="0" cy="0"/>
+          <a:chOff x="0" y="0"/>
+          <a:chExt cx="0" cy="0"/>
+        </a:xfrm>
+      </p:grpSpPr>
+      <p:sp>
+        <p:nvSpPr>
+          <p:cNvPr id="13" name="Titolo 12"/>
+          <p:cNvSpPr>
+            <a:spLocks noGrp="1"/>
+          </p:cNvSpPr>
+          <p:nvPr>
+            <p:ph type="title"/>
+          </p:nvPr>
+        </p:nvSpPr>
+        <p:spPr/>
+        <p:txBody>
+          <a:bodyPr rtlCol="0"/>
+          <a:lstStyle/>
+          <a:p>
+            <a:r>
+              <a:rPr lang="it-IT" dirty="0"/>
+              <a:t>Motore in DC (Direct Current)</a:t>
+            </a:r>
+          </a:p>
+        </p:txBody>
+      </p:sp>
+      <mc:AlternateContent xmlns:mc="http://schemas.openxmlformats.org/markup-compatibility/2006" xmlns:a14="http://schemas.microsoft.com/office/drawing/2010/main">
+        <mc:Choice Requires="a14">
+          <p:sp>
+            <p:nvSpPr>
+              <p:cNvPr id="14" name="Segnaposto contenuto 13"/>
+              <p:cNvSpPr>
+                <a:spLocks noGrp="1"/>
+              </p:cNvSpPr>
+              <p:nvPr>
+                <p:ph idx="1"/>
+              </p:nvPr>
+            </p:nvSpPr>
+            <p:spPr>
+              <a:xfrm>
+                <a:off x="1595025" y="1418162"/>
+                <a:ext cx="6938740" cy="3191686"/>
+              </a:xfrm>
+            </p:spPr>
+            <p:txBody>
+              <a:bodyPr rtlCol="0">
+                <a:normAutofit/>
+              </a:bodyPr>
+              <a:lstStyle/>
+              <a:p>
+                <a:pPr marL="0" indent="0">
+                  <a:buNone/>
+                </a:pPr>
+                <a:r>
+                  <a:rPr lang="it-IT" sz="1999" dirty="0"/>
+                  <a:t>Il Motore a corrente continua è composto da tre elementi necessari al suo funzionamento:</a:t>
+                </a:r>
+              </a:p>
+              <a:p>
+                <a:r>
+                  <a:rPr lang="it-IT" sz="1999" b="1" dirty="0"/>
+                  <a:t>Rotore</a:t>
+                </a:r>
+                <a:r>
+                  <a:rPr lang="it-IT" sz="1999" dirty="0"/>
+                  <a:t>, interno, composto da avvolgimenti di rame che generano un </a:t>
+                </a:r>
+                <a14:m>
+                  <m:oMath xmlns:m="http://schemas.openxmlformats.org/officeDocument/2006/math">
+                    <m:acc>
+                      <m:accPr>
+                        <m:chr m:val="⃗"/>
+                        <m:ctrlPr>
+                          <a:rPr lang="it-IT" sz="1999" b="1" i="1">
+                            <a:latin typeface="Cambria Math" panose="02040503050406030204" pitchFamily="18" charset="0"/>
+                          </a:rPr>
+                        </m:ctrlPr>
+                      </m:accPr>
+                      <m:e>
+                        <m:r>
+                          <a:rPr lang="it-IT" sz="1999" b="1" i="1">
+                            <a:latin typeface="Cambria Math" panose="02040503050406030204" pitchFamily="18" charset="0"/>
+                          </a:rPr>
+                          <m:t>𝑩</m:t>
+                        </m:r>
+                      </m:e>
+                    </m:acc>
+                  </m:oMath>
+                </a14:m>
+                <a:r>
+                  <a:rPr lang="it-IT" sz="1999" i="1" dirty="0"/>
+                  <a:t> </a:t>
+                </a:r>
+                <a:r>
+                  <a:rPr lang="it-IT" sz="1999" dirty="0"/>
+                  <a:t>statico grazie alla corrente che scorre al suo interno.</a:t>
+                </a:r>
+              </a:p>
+              <a:p>
+                <a:r>
+                  <a:rPr lang="it-IT" sz="1999" b="1" dirty="0"/>
+                  <a:t>Statore</a:t>
+                </a:r>
+                <a:r>
+                  <a:rPr lang="it-IT" sz="1999" dirty="0"/>
+                  <a:t>, esterno, magneti permanenti che imprimono una rotazione dal rotore.</a:t>
+                </a:r>
+              </a:p>
+              <a:p>
+                <a:r>
+                  <a:rPr lang="it-IT" sz="1999" b="1" dirty="0"/>
+                  <a:t>Commutatore</a:t>
+                </a:r>
+                <a:r>
+                  <a:rPr lang="it-IT" sz="1999" dirty="0"/>
+                  <a:t> (o </a:t>
+                </a:r>
+                <a:r>
+                  <a:rPr lang="it-IT" sz="1999" i="1" dirty="0"/>
+                  <a:t>spazzole</a:t>
+                </a:r>
+                <a:r>
+                  <a:rPr lang="it-IT" sz="1999" dirty="0"/>
+                  <a:t>), invertono il verso della corrente ogni almeno mezzo giro del rotore.</a:t>
+                </a:r>
+                <a:endParaRPr lang="it-IT" sz="1999" b="1" dirty="0"/>
+              </a:p>
+            </p:txBody>
+          </p:sp>
+        </mc:Choice>
+        <mc:Fallback xmlns="">
+          <p:sp>
+            <p:nvSpPr>
+              <p:cNvPr id="14" name="Segnaposto contenuto 13"/>
+              <p:cNvSpPr>
+                <a:spLocks noGrp="1" noRot="1" noChangeAspect="1" noMove="1" noResize="1" noEditPoints="1" noAdjustHandles="1" noChangeArrowheads="1" noChangeShapeType="1" noTextEdit="1"/>
+              </p:cNvSpPr>
+              <p:nvPr>
+                <p:ph idx="1"/>
+              </p:nvPr>
+            </p:nvSpPr>
+            <p:spPr>
+              <a:xfrm>
+                <a:off x="1595025" y="1418162"/>
+                <a:ext cx="6938740" cy="3191686"/>
+              </a:xfrm>
+              <a:blipFill>
+                <a:blip r:embed="rId3"/>
+                <a:stretch>
+                  <a:fillRect l="-1142" t="-2103" r="-1845" b="-1338"/>
+                </a:stretch>
+              </a:blipFill>
+            </p:spPr>
+            <p:txBody>
+              <a:bodyPr/>
+              <a:lstStyle/>
+              <a:p>
+                <a:r>
+                  <a:rPr lang="it-IT">
+                    <a:noFill/>
+                  </a:rPr>
+                  <a:t> </a:t>
+                </a:r>
+              </a:p>
+            </p:txBody>
+          </p:sp>
+        </mc:Fallback>
+      </mc:AlternateContent>
+      <p:pic>
+        <p:nvPicPr>
+          <p:cNvPr id="5" name="Immagine 4">
+            <a:extLst>
+              <a:ext uri="{FF2B5EF4-FFF2-40B4-BE49-F238E27FC236}">
+                <a16:creationId xmlns:a16="http://schemas.microsoft.com/office/drawing/2014/main" id="{1EB30684-7BE2-48B7-B725-9CD35810F867}"/>
+              </a:ext>
+            </a:extLst>
+          </p:cNvPr>
+          <p:cNvPicPr>
+            <a:picLocks noChangeAspect="1"/>
+          </p:cNvPicPr>
+          <p:nvPr/>
+        </p:nvPicPr>
+        <p:blipFill>
+          <a:blip r:embed="rId4">
+            <a:extLst>
+              <a:ext uri="{28A0092B-C50C-407E-A947-70E740481C1C}">
+                <a14:useLocalDpi xmlns:a14="http://schemas.microsoft.com/office/drawing/2010/main" val="0"/>
+              </a:ext>
+            </a:extLst>
+          </a:blip>
+          <a:stretch>
+            <a:fillRect/>
+          </a:stretch>
+        </p:blipFill>
+        <p:spPr>
+          <a:xfrm>
+            <a:off x="8709921" y="454473"/>
+            <a:ext cx="3001000" cy="3431608"/>
+          </a:xfrm>
+          <a:prstGeom prst="rect">
+            <a:avLst/>
+          </a:prstGeom>
+        </p:spPr>
+      </p:pic>
+      <p:pic>
+        <p:nvPicPr>
+          <p:cNvPr id="7" name="Immagine 6">
+            <a:extLst>
+              <a:ext uri="{FF2B5EF4-FFF2-40B4-BE49-F238E27FC236}">
+                <a16:creationId xmlns:a16="http://schemas.microsoft.com/office/drawing/2014/main" id="{034297BD-383A-41CD-AC68-6E42D48F5785}"/>
+              </a:ext>
+            </a:extLst>
+          </p:cNvPr>
+          <p:cNvPicPr>
+            <a:picLocks noChangeAspect="1"/>
+          </p:cNvPicPr>
+          <p:nvPr/>
+        </p:nvPicPr>
+        <p:blipFill>
+          <a:blip r:embed="rId5">
+            <a:extLst>
+              <a:ext uri="{28A0092B-C50C-407E-A947-70E740481C1C}">
+                <a14:useLocalDpi xmlns:a14="http://schemas.microsoft.com/office/drawing/2010/main" val="0"/>
+              </a:ext>
+            </a:extLst>
+          </a:blip>
+          <a:stretch>
+            <a:fillRect/>
+          </a:stretch>
+        </p:blipFill>
+        <p:spPr>
+          <a:xfrm>
+            <a:off x="8051106" y="4124712"/>
+            <a:ext cx="3695842" cy="2460996"/>
+          </a:xfrm>
+          <a:prstGeom prst="rect">
+            <a:avLst/>
+          </a:prstGeom>
+        </p:spPr>
+      </p:pic>
+      <mc:AlternateContent xmlns:mc="http://schemas.openxmlformats.org/markup-compatibility/2006" xmlns:a14="http://schemas.microsoft.com/office/drawing/2010/main">
+        <mc:Choice Requires="a14">
+          <p:sp>
+            <p:nvSpPr>
+              <p:cNvPr id="8" name="CasellaDiTesto 7">
+                <a:extLst>
+                  <a:ext uri="{FF2B5EF4-FFF2-40B4-BE49-F238E27FC236}">
+                    <a16:creationId xmlns:a16="http://schemas.microsoft.com/office/drawing/2014/main" id="{1B1D4B42-009D-4940-8DA5-5C23D6080364}"/>
+                  </a:ext>
+                </a:extLst>
+              </p:cNvPr>
+              <p:cNvSpPr txBox="1"/>
+              <p:nvPr/>
+            </p:nvSpPr>
+            <p:spPr>
+              <a:xfrm>
+                <a:off x="1595026" y="4609848"/>
+                <a:ext cx="6456081" cy="1975860"/>
+              </a:xfrm>
+              <a:prstGeom prst="rect">
+                <a:avLst/>
+              </a:prstGeom>
+              <a:noFill/>
+            </p:spPr>
+            <p:txBody>
+              <a:bodyPr wrap="square" rtlCol="0">
+                <a:spAutoFit/>
+              </a:bodyPr>
+              <a:lstStyle/>
+              <a:p>
+                <a:r>
+                  <a:rPr lang="it-IT" sz="1999" dirty="0"/>
+                  <a:t>L’idea di fondo consiste nello sfruttare la coppia di forze che si genera quando la corrente percorre una spira immersa in </a:t>
+                </a:r>
+                <a14:m>
+                  <m:oMath xmlns:m="http://schemas.openxmlformats.org/officeDocument/2006/math">
+                    <m:acc>
+                      <m:accPr>
+                        <m:chr m:val="⃗"/>
+                        <m:ctrlPr>
+                          <a:rPr lang="it-IT" sz="1999" b="1" i="1">
+                            <a:latin typeface="Cambria Math" panose="02040503050406030204" pitchFamily="18" charset="0"/>
+                          </a:rPr>
+                        </m:ctrlPr>
+                      </m:accPr>
+                      <m:e>
+                        <m:r>
+                          <a:rPr lang="it-IT" sz="1999" b="1" i="1">
+                            <a:latin typeface="Cambria Math" panose="02040503050406030204" pitchFamily="18" charset="0"/>
+                          </a:rPr>
+                          <m:t>𝑩</m:t>
+                        </m:r>
+                      </m:e>
+                    </m:acc>
+                  </m:oMath>
+                </a14:m>
+                <a:r>
+                  <a:rPr lang="it-IT" sz="1999" dirty="0"/>
+                  <a:t>, e cambiare opportunamente il verso della corrente per proseguire il moto, sfruttando l’inerzia della spira già in movimento per superare il punto singolare dal quale non si muoverebbe più.</a:t>
+                </a:r>
+                <a:endParaRPr lang="it-IT" sz="1999" b="1" dirty="0"/>
+              </a:p>
+            </p:txBody>
+          </p:sp>
+        </mc:Choice>
+        <mc:Fallback xmlns="">
+          <p:sp>
+            <p:nvSpPr>
+              <p:cNvPr id="8" name="CasellaDiTesto 7">
+                <a:extLst>
+                  <a:ext uri="{FF2B5EF4-FFF2-40B4-BE49-F238E27FC236}">
+                    <a16:creationId xmlns:a16="http://schemas.microsoft.com/office/drawing/2014/main" id="{1B1D4B42-009D-4940-8DA5-5C23D6080364}"/>
+                  </a:ext>
+                </a:extLst>
+              </p:cNvPr>
+              <p:cNvSpPr txBox="1">
+                <a:spLocks noRot="1" noChangeAspect="1" noMove="1" noResize="1" noEditPoints="1" noAdjustHandles="1" noChangeArrowheads="1" noChangeShapeType="1" noTextEdit="1"/>
+              </p:cNvSpPr>
+              <p:nvPr/>
+            </p:nvSpPr>
+            <p:spPr>
+              <a:xfrm>
+                <a:off x="1595026" y="4609848"/>
+                <a:ext cx="6456081" cy="1975860"/>
+              </a:xfrm>
+              <a:prstGeom prst="rect">
+                <a:avLst/>
+              </a:prstGeom>
+              <a:blipFill>
+                <a:blip r:embed="rId6"/>
+                <a:stretch>
+                  <a:fillRect l="-1039" t="-1543" r="-2172" b="-4630"/>
+                </a:stretch>
+              </a:blipFill>
+            </p:spPr>
+            <p:txBody>
+              <a:bodyPr/>
+              <a:lstStyle/>
+              <a:p>
+                <a:r>
+                  <a:rPr lang="it-IT">
+                    <a:noFill/>
+                  </a:rPr>
+                  <a:t> </a:t>
+                </a:r>
+              </a:p>
+            </p:txBody>
+          </p:sp>
+        </mc:Fallback>
+      </mc:AlternateContent>
+    </p:spTree>
+    <p:extLst>
+      <p:ext uri="{BB962C8B-B14F-4D97-AF65-F5344CB8AC3E}">
+        <p14:creationId xmlns:p14="http://schemas.microsoft.com/office/powerpoint/2010/main" val="1011132439"/>
+      </p:ext>
+    </p:extLst>
+  </p:cSld>
+  <p:clrMapOvr>
+    <a:masterClrMapping/>
+  </p:clrMapOvr>
+  <mc:AlternateContent xmlns:mc="http://schemas.openxmlformats.org/markup-compatibility/2006" xmlns:p14="http://schemas.microsoft.com/office/powerpoint/2010/main">
+    <mc:Choice Requires="p14">
+      <p:transition spd="med" p14:dur="700">
+        <p:fade/>
+      </p:transition>
+    </mc:Choice>
+    <mc:Fallback xmlns="">
+      <p:transition spd="med">
+        <p:fade/>
+      </p:transition>
+    </mc:Fallback>
+  </mc:AlternateContent>
+</p:sld>
+</file>
+
+<file path=ppt/slides/slide20.xml><?xml version="1.0" encoding="utf-8"?>
 <p:sld xmlns:a="http://schemas.openxmlformats.org/drawingml/2006/main" xmlns:r="http://schemas.openxmlformats.org/officeDocument/2006/relationships" xmlns:p="http://schemas.openxmlformats.org/presentationml/2006/main">
   <p:cSld>
     <p:spTree>
@@ -6860,7 +8817,7 @@
 </p:sld>
 </file>
 
-<file path=ppt/slides/slide17.xml><?xml version="1.0" encoding="utf-8"?>
+<file path=ppt/slides/slide21.xml><?xml version="1.0" encoding="utf-8"?>
 <p:sld xmlns:a="http://schemas.openxmlformats.org/drawingml/2006/main" xmlns:r="http://schemas.openxmlformats.org/officeDocument/2006/relationships" xmlns:p="http://schemas.openxmlformats.org/presentationml/2006/main">
   <p:cSld>
     <p:spTree>
@@ -8616,7 +10573,7 @@
 </p:sld>
 </file>
 
-<file path=ppt/slides/slide18.xml><?xml version="1.0" encoding="utf-8"?>
+<file path=ppt/slides/slide22.xml><?xml version="1.0" encoding="utf-8"?>
 <p:sld xmlns:a="http://schemas.openxmlformats.org/drawingml/2006/main" xmlns:r="http://schemas.openxmlformats.org/officeDocument/2006/relationships" xmlns:p="http://schemas.openxmlformats.org/presentationml/2006/main">
   <p:cSld>
     <p:spTree>
@@ -8717,7 +10674,7 @@
 </p:sld>
 </file>
 
-<file path=ppt/slides/slide19.xml><?xml version="1.0" encoding="utf-8"?>
+<file path=ppt/slides/slide23.xml><?xml version="1.0" encoding="utf-8"?>
 <p:sld xmlns:a="http://schemas.openxmlformats.org/drawingml/2006/main" xmlns:r="http://schemas.openxmlformats.org/officeDocument/2006/relationships" xmlns:p="http://schemas.openxmlformats.org/presentationml/2006/main">
   <p:cSld>
     <p:spTree>
@@ -8931,7 +10888,7 @@
 </p:sld>
 </file>
 
-<file path=ppt/slides/slide2.xml><?xml version="1.0" encoding="utf-8"?>
+<file path=ppt/slides/slide24.xml><?xml version="1.0" encoding="utf-8"?>
 <p:sld xmlns:a="http://schemas.openxmlformats.org/drawingml/2006/main" xmlns:r="http://schemas.openxmlformats.org/officeDocument/2006/relationships" xmlns:p="http://schemas.openxmlformats.org/presentationml/2006/main">
   <p:cSld>
     <p:spTree>
@@ -8950,7 +10907,13 @@
       </p:grpSpPr>
       <p:sp>
         <p:nvSpPr>
-          <p:cNvPr id="13" name="Titolo 12"/>
+          <p:cNvPr id="2" name="Titolo 1">
+            <a:extLst>
+              <a:ext uri="{FF2B5EF4-FFF2-40B4-BE49-F238E27FC236}">
+                <a16:creationId xmlns:a16="http://schemas.microsoft.com/office/drawing/2014/main" id="{6725DAF4-F7B4-4D8A-9FAB-D4AB2037F779}"/>
+              </a:ext>
+            </a:extLst>
+          </p:cNvPr>
           <p:cNvSpPr>
             <a:spLocks noGrp="1"/>
           </p:cNvSpPr>
@@ -8958,166 +10921,243 @@
             <p:ph type="title"/>
           </p:nvPr>
         </p:nvSpPr>
-        <p:spPr/>
+        <p:spPr>
+          <a:xfrm>
+            <a:off x="1391478" y="177801"/>
+            <a:ext cx="9785349" cy="1239837"/>
+          </a:xfrm>
+        </p:spPr>
         <p:txBody>
-          <a:bodyPr rtlCol="0"/>
+          <a:bodyPr/>
           <a:lstStyle/>
           <a:p>
             <a:r>
               <a:rPr lang="it-IT" dirty="0"/>
-              <a:t>Motore in DC (Direct Current)</a:t>
+              <a:t>Altre tecnologie adottabili</a:t>
             </a:r>
           </a:p>
         </p:txBody>
       </p:sp>
-      <mc:AlternateContent xmlns:mc="http://schemas.openxmlformats.org/markup-compatibility/2006" xmlns:a14="http://schemas.microsoft.com/office/drawing/2010/main">
-        <mc:Choice Requires="a14">
-          <p:sp>
-            <p:nvSpPr>
-              <p:cNvPr id="14" name="Segnaposto contenuto 13"/>
-              <p:cNvSpPr>
-                <a:spLocks noGrp="1"/>
-              </p:cNvSpPr>
-              <p:nvPr>
-                <p:ph idx="1"/>
-              </p:nvPr>
-            </p:nvSpPr>
-            <p:spPr>
-              <a:xfrm>
-                <a:off x="1595025" y="1418162"/>
-                <a:ext cx="6938740" cy="3191686"/>
-              </a:xfrm>
-            </p:spPr>
-            <p:txBody>
-              <a:bodyPr rtlCol="0">
-                <a:normAutofit/>
-              </a:bodyPr>
-              <a:lstStyle/>
-              <a:p>
-                <a:pPr marL="0" indent="0">
-                  <a:buNone/>
-                </a:pPr>
-                <a:r>
-                  <a:rPr lang="it-IT" sz="1999" dirty="0"/>
-                  <a:t>Il Motore a corrente continua è composto da tre elementi necessari al suo funzionamento:</a:t>
-                </a:r>
-              </a:p>
-              <a:p>
-                <a:r>
-                  <a:rPr lang="it-IT" sz="1999" b="1" dirty="0"/>
-                  <a:t>Rotore</a:t>
-                </a:r>
-                <a:r>
-                  <a:rPr lang="it-IT" sz="1999" dirty="0"/>
-                  <a:t>, interno, composto da avvolgimenti di rame che generano un </a:t>
-                </a:r>
-                <a14:m>
-                  <m:oMath xmlns:m="http://schemas.openxmlformats.org/officeDocument/2006/math">
-                    <m:acc>
-                      <m:accPr>
-                        <m:chr m:val="⃗"/>
-                        <m:ctrlPr>
-                          <a:rPr lang="it-IT" sz="1999" b="1" i="1">
-                            <a:latin typeface="Cambria Math" panose="02040503050406030204" pitchFamily="18" charset="0"/>
-                          </a:rPr>
-                        </m:ctrlPr>
-                      </m:accPr>
-                      <m:e>
-                        <m:r>
-                          <a:rPr lang="it-IT" sz="1999" b="1" i="1">
-                            <a:latin typeface="Cambria Math" panose="02040503050406030204" pitchFamily="18" charset="0"/>
-                          </a:rPr>
-                          <m:t>𝑩</m:t>
-                        </m:r>
-                      </m:e>
-                    </m:acc>
-                  </m:oMath>
-                </a14:m>
-                <a:r>
-                  <a:rPr lang="it-IT" sz="1999" i="1" dirty="0"/>
-                  <a:t> </a:t>
-                </a:r>
-                <a:r>
-                  <a:rPr lang="it-IT" sz="1999" dirty="0"/>
-                  <a:t>statico grazie alla corrente che scorre al suo interno.</a:t>
-                </a:r>
-              </a:p>
-              <a:p>
-                <a:r>
-                  <a:rPr lang="it-IT" sz="1999" b="1" dirty="0"/>
-                  <a:t>Statore</a:t>
-                </a:r>
-                <a:r>
-                  <a:rPr lang="it-IT" sz="1999" dirty="0"/>
-                  <a:t>, esterno, magneti permanenti che imprimono una rotazione dal rotore.</a:t>
-                </a:r>
-              </a:p>
-              <a:p>
-                <a:r>
-                  <a:rPr lang="it-IT" sz="1999" b="1" dirty="0"/>
-                  <a:t>Commutatore</a:t>
-                </a:r>
-                <a:r>
-                  <a:rPr lang="it-IT" sz="1999" dirty="0"/>
-                  <a:t> (o </a:t>
-                </a:r>
-                <a:r>
-                  <a:rPr lang="it-IT" sz="1999" i="1" dirty="0"/>
-                  <a:t>spazzole</a:t>
-                </a:r>
-                <a:r>
-                  <a:rPr lang="it-IT" sz="1999" dirty="0"/>
-                  <a:t>), invertono il verso della corrente ogni almeno mezzo giro del rotore.</a:t>
-                </a:r>
-                <a:endParaRPr lang="it-IT" sz="1999" b="1" dirty="0"/>
-              </a:p>
-            </p:txBody>
-          </p:sp>
-        </mc:Choice>
-        <mc:Fallback xmlns="">
-          <p:sp>
-            <p:nvSpPr>
-              <p:cNvPr id="14" name="Segnaposto contenuto 13"/>
-              <p:cNvSpPr>
-                <a:spLocks noGrp="1" noRot="1" noChangeAspect="1" noMove="1" noResize="1" noEditPoints="1" noAdjustHandles="1" noChangeArrowheads="1" noChangeShapeType="1" noTextEdit="1"/>
-              </p:cNvSpPr>
-              <p:nvPr>
-                <p:ph idx="1"/>
-              </p:nvPr>
-            </p:nvSpPr>
-            <p:spPr>
-              <a:xfrm>
-                <a:off x="1595025" y="1418162"/>
-                <a:ext cx="6938740" cy="3191686"/>
-              </a:xfrm>
-              <a:blipFill>
-                <a:blip r:embed="rId3"/>
-                <a:stretch>
-                  <a:fillRect l="-1142" t="-2103" r="-1845" b="-1338"/>
-                </a:stretch>
-              </a:blipFill>
-            </p:spPr>
-            <p:txBody>
-              <a:bodyPr/>
-              <a:lstStyle/>
-              <a:p>
-                <a:r>
-                  <a:rPr lang="it-IT">
-                    <a:noFill/>
-                  </a:rPr>
-                  <a:t> </a:t>
-                </a:r>
-              </a:p>
-            </p:txBody>
-          </p:sp>
-        </mc:Fallback>
-      </mc:AlternateContent>
+      <p:sp>
+        <p:nvSpPr>
+          <p:cNvPr id="7" name="CasellaDiTesto 6">
+            <a:extLst>
+              <a:ext uri="{FF2B5EF4-FFF2-40B4-BE49-F238E27FC236}">
+                <a16:creationId xmlns:a16="http://schemas.microsoft.com/office/drawing/2014/main" id="{6A448AEF-FE68-4AD8-8C10-17BCA2587C17}"/>
+              </a:ext>
+            </a:extLst>
+          </p:cNvPr>
+          <p:cNvSpPr txBox="1"/>
+          <p:nvPr/>
+        </p:nvSpPr>
+        <p:spPr>
+          <a:xfrm>
+            <a:off x="1391478" y="1417293"/>
+            <a:ext cx="9206670" cy="1200329"/>
+          </a:xfrm>
+          <a:prstGeom prst="rect">
+            <a:avLst/>
+          </a:prstGeom>
+          <a:noFill/>
+        </p:spPr>
+        <p:txBody>
+          <a:bodyPr wrap="square" rtlCol="0">
+            <a:spAutoFit/>
+          </a:bodyPr>
+          <a:lstStyle/>
+          <a:p>
+            <a:r>
+              <a:rPr lang="it-IT" dirty="0"/>
+              <a:t>L’approccio combinato motore DC + encoder fornisce in molti casi d’uso un ottimo compromesso tra performance e semplicità di utilizzo.</a:t>
+            </a:r>
+            <a:br>
+              <a:rPr lang="it-IT" dirty="0"/>
+            </a:br>
+            <a:r>
+              <a:rPr lang="it-IT" dirty="0"/>
+              <a:t>Può essere necessario avere in alcuni casi una maggiore </a:t>
+            </a:r>
+            <a:r>
+              <a:rPr lang="it-IT" b="1" dirty="0"/>
+              <a:t>coppia</a:t>
+            </a:r>
+            <a:r>
+              <a:rPr lang="it-IT" dirty="0"/>
+              <a:t>, o </a:t>
+            </a:r>
+            <a:r>
+              <a:rPr lang="it-IT" b="1" dirty="0"/>
+              <a:t>velocità</a:t>
+            </a:r>
+            <a:r>
+              <a:rPr lang="it-IT" dirty="0"/>
+              <a:t>. Per tali esigenze, si può ripiegare su soluzioni basate su </a:t>
+            </a:r>
+            <a:r>
+              <a:rPr lang="it-IT" b="1" dirty="0"/>
+              <a:t>stepper</a:t>
+            </a:r>
+            <a:r>
+              <a:rPr lang="it-IT" dirty="0"/>
+              <a:t>, oppure su </a:t>
+            </a:r>
+            <a:r>
+              <a:rPr lang="it-IT" b="1" dirty="0"/>
+              <a:t>brushless</a:t>
+            </a:r>
+            <a:r>
+              <a:rPr lang="it-IT" dirty="0"/>
+              <a:t>.</a:t>
+            </a:r>
+            <a:endParaRPr lang="it-IT" b="1" dirty="0"/>
+          </a:p>
+        </p:txBody>
+      </p:sp>
+      <p:sp>
+        <p:nvSpPr>
+          <p:cNvPr id="11" name="CasellaDiTesto 10">
+            <a:extLst>
+              <a:ext uri="{FF2B5EF4-FFF2-40B4-BE49-F238E27FC236}">
+                <a16:creationId xmlns:a16="http://schemas.microsoft.com/office/drawing/2014/main" id="{B6225111-229A-46D3-91E5-3178C73FDD69}"/>
+              </a:ext>
+            </a:extLst>
+          </p:cNvPr>
+          <p:cNvSpPr txBox="1"/>
+          <p:nvPr/>
+        </p:nvSpPr>
+        <p:spPr>
+          <a:xfrm>
+            <a:off x="1484242" y="2617622"/>
+            <a:ext cx="7315199" cy="4001095"/>
+          </a:xfrm>
+          <a:prstGeom prst="rect">
+            <a:avLst/>
+          </a:prstGeom>
+          <a:noFill/>
+        </p:spPr>
+        <p:txBody>
+          <a:bodyPr wrap="square" rtlCol="0">
+            <a:spAutoFit/>
+          </a:bodyPr>
+          <a:lstStyle/>
+          <a:p>
+            <a:r>
+              <a:rPr lang="it-IT" sz="2000" b="1" dirty="0"/>
+              <a:t>Stepper</a:t>
+            </a:r>
+            <a:endParaRPr lang="it-IT" dirty="0"/>
+          </a:p>
+          <a:p>
+            <a:r>
+              <a:rPr lang="it-IT" dirty="0"/>
+              <a:t>Motore in corrente continua che suddivide la propria rotazione in un grande numero di passi.</a:t>
+            </a:r>
+          </a:p>
+          <a:p>
+            <a:r>
+              <a:rPr lang="it-IT" u="sng" dirty="0"/>
+              <a:t>Vantaggi:</a:t>
+            </a:r>
+          </a:p>
+          <a:p>
+            <a:pPr marL="285750" indent="-285750">
+              <a:buFont typeface="Arial" panose="020B0604020202020204" pitchFamily="34" charset="0"/>
+              <a:buChar char="•"/>
+            </a:pPr>
+            <a:r>
+              <a:rPr lang="it-IT" dirty="0"/>
+              <a:t>La posizione del motore può essere controllata in modo accurato senza dover ricorrere al controllo ad </a:t>
+            </a:r>
+            <a:r>
+              <a:rPr lang="it-IT" u="sng" dirty="0"/>
+              <a:t>anello chiuso;</a:t>
+            </a:r>
+            <a:endParaRPr lang="it-IT" dirty="0"/>
+          </a:p>
+          <a:p>
+            <a:pPr marL="285750" indent="-285750">
+              <a:buFont typeface="Arial" panose="020B0604020202020204" pitchFamily="34" charset="0"/>
+              <a:buChar char="•"/>
+            </a:pPr>
+            <a:r>
+              <a:rPr lang="it-IT" dirty="0"/>
+              <a:t>Hanno un'elevata robustezza meccanica ed elettrica;</a:t>
+            </a:r>
+          </a:p>
+          <a:p>
+            <a:pPr marL="285750" indent="-285750">
+              <a:buFont typeface="Arial" panose="020B0604020202020204" pitchFamily="34" charset="0"/>
+              <a:buChar char="•"/>
+            </a:pPr>
+            <a:r>
+              <a:rPr lang="it-IT" dirty="0"/>
+              <a:t>Permettono un’alta coppia anche a bassi regimi senza l’utilizzo di ingranaggi riduttori.</a:t>
+            </a:r>
+          </a:p>
+          <a:p>
+            <a:r>
+              <a:rPr lang="it-IT" u="sng" dirty="0"/>
+              <a:t>Svantaggi:</a:t>
+            </a:r>
+            <a:endParaRPr lang="it-IT" dirty="0"/>
+          </a:p>
+          <a:p>
+            <a:pPr marL="285750" indent="-285750">
+              <a:buFont typeface="Arial" panose="020B0604020202020204" pitchFamily="34" charset="0"/>
+              <a:buChar char="•"/>
+            </a:pPr>
+            <a:r>
+              <a:rPr lang="it-IT" dirty="0"/>
+              <a:t>Richiedono sempre circuiti elettronici per il pilotaggio;</a:t>
+            </a:r>
+          </a:p>
+          <a:p>
+            <a:pPr marL="285750" indent="-285750">
+              <a:buFont typeface="Arial" panose="020B0604020202020204" pitchFamily="34" charset="0"/>
+              <a:buChar char="•"/>
+            </a:pPr>
+            <a:r>
+              <a:rPr lang="it-IT" dirty="0"/>
+              <a:t>Hanno un funzionamento a scatti e producono vibrazioni;</a:t>
+            </a:r>
+          </a:p>
+          <a:p>
+            <a:pPr marL="285750" indent="-285750">
+              <a:buFont typeface="Arial" panose="020B0604020202020204" pitchFamily="34" charset="0"/>
+              <a:buChar char="•"/>
+            </a:pPr>
+            <a:r>
+              <a:rPr lang="it-IT" dirty="0"/>
+              <a:t>Producono molto calore già dopo pochi minuti di funzionamento;</a:t>
+            </a:r>
+          </a:p>
+          <a:p>
+            <a:pPr marL="285750" indent="-285750">
+              <a:buFont typeface="Arial" panose="020B0604020202020204" pitchFamily="34" charset="0"/>
+              <a:buChar char="•"/>
+            </a:pPr>
+            <a:r>
+              <a:rPr lang="it-IT" dirty="0"/>
+              <a:t>Hanno una velocità di rotazione massima intorno a 1000 </a:t>
+            </a:r>
+            <a:r>
+              <a:rPr lang="it-IT" dirty="0" err="1"/>
+              <a:t>rpm</a:t>
+            </a:r>
+            <a:r>
+              <a:rPr lang="it-IT" dirty="0"/>
+              <a:t>.</a:t>
+            </a:r>
+            <a:endParaRPr lang="it-IT" u="sng" dirty="0"/>
+          </a:p>
+        </p:txBody>
+      </p:sp>
       <p:pic>
         <p:nvPicPr>
-          <p:cNvPr id="5" name="Immagine 4">
+          <p:cNvPr id="13" name="Immagine 12" descr="Immagine che contiene elettronico, circuito&#10;&#10;Descrizione generata automaticamente">
             <a:extLst>
               <a:ext uri="{FF2B5EF4-FFF2-40B4-BE49-F238E27FC236}">
-                <a16:creationId xmlns:a16="http://schemas.microsoft.com/office/drawing/2014/main" id="{1EB30684-7BE2-48B7-B725-9CD35810F867}"/>
+                <a16:creationId xmlns:a16="http://schemas.microsoft.com/office/drawing/2014/main" id="{FBD696C6-1814-44A2-9D49-FDB2C6C9E5B3}"/>
               </a:ext>
             </a:extLst>
           </p:cNvPr>
@@ -9127,7 +11167,7 @@
           <p:nvPr/>
         </p:nvPicPr>
         <p:blipFill>
-          <a:blip r:embed="rId4">
+          <a:blip r:embed="rId2">
             <a:extLst>
               <a:ext uri="{28A0092B-C50C-407E-A947-70E740481C1C}">
                 <a14:useLocalDpi xmlns:a14="http://schemas.microsoft.com/office/drawing/2010/main" val="0"/>
@@ -9140,20 +11180,97 @@
         </p:blipFill>
         <p:spPr>
           <a:xfrm>
-            <a:off x="8709921" y="454473"/>
-            <a:ext cx="3001000" cy="3431608"/>
+            <a:off x="8799441" y="2569099"/>
+            <a:ext cx="3047118" cy="2872798"/>
           </a:xfrm>
           <a:prstGeom prst="rect">
             <a:avLst/>
           </a:prstGeom>
         </p:spPr>
       </p:pic>
+    </p:spTree>
+    <p:extLst>
+      <p:ext uri="{BB962C8B-B14F-4D97-AF65-F5344CB8AC3E}">
+        <p14:creationId xmlns:p14="http://schemas.microsoft.com/office/powerpoint/2010/main" val="2882997216"/>
+      </p:ext>
+    </p:extLst>
+  </p:cSld>
+  <p:clrMapOvr>
+    <a:masterClrMapping/>
+  </p:clrMapOvr>
+  <mc:AlternateContent xmlns:mc="http://schemas.openxmlformats.org/markup-compatibility/2006" xmlns:p14="http://schemas.microsoft.com/office/powerpoint/2010/main">
+    <mc:Choice Requires="p14">
+      <p:transition spd="med" p14:dur="700">
+        <p:fade/>
+      </p:transition>
+    </mc:Choice>
+    <mc:Fallback xmlns="">
+      <p:transition spd="med">
+        <p:fade/>
+      </p:transition>
+    </mc:Fallback>
+  </mc:AlternateContent>
+</p:sld>
+</file>
+
+<file path=ppt/slides/slide25.xml><?xml version="1.0" encoding="utf-8"?>
+<p:sld xmlns:a="http://schemas.openxmlformats.org/drawingml/2006/main" xmlns:r="http://schemas.openxmlformats.org/officeDocument/2006/relationships" xmlns:p="http://schemas.openxmlformats.org/presentationml/2006/main">
+  <p:cSld>
+    <p:spTree>
+      <p:nvGrpSpPr>
+        <p:cNvPr id="1" name=""/>
+        <p:cNvGrpSpPr/>
+        <p:nvPr/>
+      </p:nvGrpSpPr>
+      <p:grpSpPr>
+        <a:xfrm>
+          <a:off x="0" y="0"/>
+          <a:ext cx="0" cy="0"/>
+          <a:chOff x="0" y="0"/>
+          <a:chExt cx="0" cy="0"/>
+        </a:xfrm>
+      </p:grpSpPr>
+      <p:sp>
+        <p:nvSpPr>
+          <p:cNvPr id="2" name="Titolo 1">
+            <a:extLst>
+              <a:ext uri="{FF2B5EF4-FFF2-40B4-BE49-F238E27FC236}">
+                <a16:creationId xmlns:a16="http://schemas.microsoft.com/office/drawing/2014/main" id="{B520DE3F-3033-4987-9797-07964EE949E2}"/>
+              </a:ext>
+            </a:extLst>
+          </p:cNvPr>
+          <p:cNvSpPr>
+            <a:spLocks noGrp="1"/>
+          </p:cNvSpPr>
+          <p:nvPr>
+            <p:ph type="title"/>
+          </p:nvPr>
+        </p:nvSpPr>
+        <p:spPr>
+          <a:xfrm>
+            <a:off x="1388855" y="225287"/>
+            <a:ext cx="6284153" cy="463482"/>
+          </a:xfrm>
+        </p:spPr>
+        <p:txBody>
+          <a:bodyPr>
+            <a:normAutofit fontScale="90000"/>
+          </a:bodyPr>
+          <a:lstStyle/>
+          <a:p>
+            <a:r>
+              <a:rPr lang="it-IT" dirty="0"/>
+              <a:t>BLDC (BrushLess Direct Current)</a:t>
+            </a:r>
+          </a:p>
+        </p:txBody>
+      </p:sp>
       <p:pic>
         <p:nvPicPr>
-          <p:cNvPr id="7" name="Immagine 6">
+          <p:cNvPr id="8" name="Immagine 7">
             <a:extLst>
               <a:ext uri="{FF2B5EF4-FFF2-40B4-BE49-F238E27FC236}">
-                <a16:creationId xmlns:a16="http://schemas.microsoft.com/office/drawing/2014/main" id="{034297BD-383A-41CD-AC68-6E42D48F5785}"/>
+                <a16:creationId xmlns:a16="http://schemas.microsoft.com/office/drawing/2014/main" id="{D6380D77-3A2B-4E4E-A67B-5F1251F5B413}"/>
               </a:ext>
             </a:extLst>
           </p:cNvPr>
@@ -9163,7 +11280,7 @@
           <p:nvPr/>
         </p:nvPicPr>
         <p:blipFill>
-          <a:blip r:embed="rId5">
+          <a:blip r:embed="rId2">
             <a:extLst>
               <a:ext uri="{28A0092B-C50C-407E-A947-70E740481C1C}">
                 <a14:useLocalDpi xmlns:a14="http://schemas.microsoft.com/office/drawing/2010/main" val="0"/>
@@ -9176,22 +11293,22 @@
         </p:blipFill>
         <p:spPr>
           <a:xfrm>
-            <a:off x="8051106" y="4124712"/>
-            <a:ext cx="3695842" cy="2460996"/>
+            <a:off x="9272202" y="225287"/>
+            <a:ext cx="2553056" cy="2934109"/>
           </a:xfrm>
           <a:prstGeom prst="rect">
             <a:avLst/>
           </a:prstGeom>
         </p:spPr>
       </p:pic>
-      <mc:AlternateContent xmlns:mc="http://schemas.openxmlformats.org/markup-compatibility/2006" xmlns:a14="http://schemas.microsoft.com/office/drawing/2010/main">
-        <mc:Choice Requires="a14">
+      <mc:AlternateContent xmlns:mc="http://schemas.openxmlformats.org/markup-compatibility/2006">
+        <mc:Choice xmlns:a14="http://schemas.microsoft.com/office/drawing/2010/main" Requires="a14">
           <p:sp>
             <p:nvSpPr>
-              <p:cNvPr id="8" name="CasellaDiTesto 7">
+              <p:cNvPr id="9" name="CasellaDiTesto 8">
                 <a:extLst>
                   <a:ext uri="{FF2B5EF4-FFF2-40B4-BE49-F238E27FC236}">
-                    <a16:creationId xmlns:a16="http://schemas.microsoft.com/office/drawing/2014/main" id="{1B1D4B42-009D-4940-8DA5-5C23D6080364}"/>
+                    <a16:creationId xmlns:a16="http://schemas.microsoft.com/office/drawing/2014/main" id="{D6A5E8CA-6232-4A87-AE17-59F6AAE618F1}"/>
                   </a:ext>
                 </a:extLst>
               </p:cNvPr>
@@ -9200,8 +11317,8 @@
             </p:nvSpPr>
             <p:spPr>
               <a:xfrm>
-                <a:off x="1595026" y="4609848"/>
-                <a:ext cx="6456081" cy="1975860"/>
+                <a:off x="1388854" y="781878"/>
+                <a:ext cx="7883347" cy="5942909"/>
               </a:xfrm>
               <a:prstGeom prst="rect">
                 <a:avLst/>
@@ -9215,8 +11332,36 @@
               <a:lstStyle/>
               <a:p>
                 <a:r>
-                  <a:rPr lang="it-IT" sz="1999" dirty="0"/>
-                  <a:t>L’idea di fondo consiste nello sfruttare la coppia di forze che si genera quando la corrente percorre una spira immersa in </a:t>
+                  <a:rPr lang="it-IT" dirty="0"/>
+                  <a:t>Motore elettrico a corrente continua, composto da:</a:t>
+                </a:r>
+              </a:p>
+              <a:p>
+                <a:pPr marL="285750" indent="-285750">
+                  <a:buFont typeface="Arial" panose="020B0604020202020204" pitchFamily="34" charset="0"/>
+                  <a:buChar char="•"/>
+                </a:pPr>
+                <a:r>
+                  <a:rPr lang="it-IT" b="1" dirty="0"/>
+                  <a:t>rotore </a:t>
+                </a:r>
+                <a:r>
+                  <a:rPr lang="it-IT" dirty="0"/>
+                  <a:t>a magneti permanenti </a:t>
+                </a:r>
+              </a:p>
+              <a:p>
+                <a:pPr marL="285750" indent="-285750">
+                  <a:buFont typeface="Arial" panose="020B0604020202020204" pitchFamily="34" charset="0"/>
+                  <a:buChar char="•"/>
+                </a:pPr>
+                <a:r>
+                  <a:rPr lang="it-IT" b="1" dirty="0"/>
+                  <a:t>statore</a:t>
+                </a:r>
+                <a:r>
+                  <a:rPr lang="it-IT" dirty="0"/>
+                  <a:t> ad avvolgimenti con </a:t>
                 </a:r>
                 <a14:m>
                   <m:oMath xmlns:m="http://schemas.openxmlformats.org/officeDocument/2006/math">
@@ -9224,14 +11369,14 @@
                       <m:accPr>
                         <m:chr m:val="⃗"/>
                         <m:ctrlPr>
-                          <a:rPr lang="it-IT" sz="1999" b="1" i="1">
+                          <a:rPr lang="it-IT" b="1" i="1">
                             <a:latin typeface="Cambria Math" panose="02040503050406030204" pitchFamily="18" charset="0"/>
                           </a:rPr>
                         </m:ctrlPr>
                       </m:accPr>
                       <m:e>
                         <m:r>
-                          <a:rPr lang="it-IT" sz="1999" b="1" i="1">
+                          <a:rPr lang="it-IT" b="1" i="1">
                             <a:latin typeface="Cambria Math" panose="02040503050406030204" pitchFamily="18" charset="0"/>
                           </a:rPr>
                           <m:t>𝑩</m:t>
@@ -9241,21 +11386,169 @@
                   </m:oMath>
                 </a14:m>
                 <a:r>
-                  <a:rPr lang="it-IT" sz="1999" dirty="0"/>
-                  <a:t>, e cambiare opportunamente il verso della corrente per proseguire il moto, sfruttando l’inerzia della spira già in movimento per superare il punto singolare dal quale non si muoverebbe più.</a:t>
+                  <a:rPr lang="it-IT" dirty="0"/>
+                  <a:t> stazionario</a:t>
                 </a:r>
-                <a:endParaRPr lang="it-IT" sz="1999" b="1" dirty="0"/>
+              </a:p>
+              <a:p>
+                <a:r>
+                  <a:rPr lang="it-IT" dirty="0"/>
+                  <a:t>Similmente allo stepper è privo di spazzole, ma si differenzia da esso per la versatilità d’applicazione.</a:t>
+                </a:r>
+              </a:p>
+              <a:p>
+                <a:r>
+                  <a:rPr lang="it-IT" u="sng" dirty="0"/>
+                  <a:t>Vantaggi:</a:t>
+                </a:r>
+              </a:p>
+              <a:p>
+                <a:pPr marL="285750" indent="-285750">
+                  <a:buFont typeface="Arial" panose="020B0604020202020204" pitchFamily="34" charset="0"/>
+                  <a:buChar char="•"/>
+                </a:pPr>
+                <a:r>
+                  <a:rPr lang="it-IT" dirty="0"/>
+                  <a:t>Grazie a controlli in catena chiusa e più sofisticati, è possibile raggiungere regimi di rotazione e coppie molto elevate;</a:t>
+                </a:r>
+              </a:p>
+              <a:p>
+                <a:pPr marL="285750" indent="-285750">
+                  <a:buFont typeface="Arial" panose="020B0604020202020204" pitchFamily="34" charset="0"/>
+                  <a:buChar char="•"/>
+                </a:pPr>
+                <a:r>
+                  <a:rPr lang="it-IT" dirty="0"/>
+                  <a:t>Poiché non tutti gli avvolgimenti sono sempre attivi a differenza dello stepper, il calore prodotto è notevolmente inferiore;</a:t>
+                </a:r>
+              </a:p>
+              <a:p>
+                <a:pPr marL="285750" indent="-285750">
+                  <a:buFont typeface="Arial" panose="020B0604020202020204" pitchFamily="34" charset="0"/>
+                  <a:buChar char="•"/>
+                </a:pPr>
+                <a:r>
+                  <a:rPr lang="it-IT" dirty="0"/>
+                  <a:t>Massima potenza erogata a parità di ingombro;</a:t>
+                </a:r>
+              </a:p>
+              <a:p>
+                <a:pPr marL="285750" indent="-285750">
+                  <a:buFont typeface="Arial" panose="020B0604020202020204" pitchFamily="34" charset="0"/>
+                  <a:buChar char="•"/>
+                </a:pPr>
+                <a:r>
+                  <a:rPr lang="it-IT" dirty="0"/>
+                  <a:t>Lavorano sempre in condizioni di rendimento ottimali;</a:t>
+                </a:r>
+              </a:p>
+              <a:p>
+                <a:r>
+                  <a:rPr lang="it-IT" u="sng" dirty="0"/>
+                  <a:t>Svantaggi:</a:t>
+                </a:r>
+              </a:p>
+              <a:p>
+                <a:pPr marL="285750" indent="-285750">
+                  <a:buFont typeface="Arial" panose="020B0604020202020204" pitchFamily="34" charset="0"/>
+                  <a:buChar char="•"/>
+                </a:pPr>
+                <a:r>
+                  <a:rPr lang="it-IT" dirty="0"/>
+                  <a:t>(Leggera) minor precisione sulla posizione rispetto allo stepper, mitigato dall’utilizzo di </a:t>
+                </a:r>
+                <a:r>
+                  <a:rPr lang="it-IT" u="sng" dirty="0"/>
+                  <a:t>sensori Hall</a:t>
+                </a:r>
+                <a:r>
+                  <a:rPr lang="it-IT" dirty="0"/>
+                  <a:t> lungo lo statore.</a:t>
+                </a:r>
+              </a:p>
+              <a:p>
+                <a:pPr marL="285750" indent="-285750">
+                  <a:buFont typeface="Arial" panose="020B0604020202020204" pitchFamily="34" charset="0"/>
+                  <a:buChar char="•"/>
+                </a:pPr>
+                <a:r>
+                  <a:rPr lang="it-IT" dirty="0"/>
+                  <a:t>Maggiore costo</a:t>
+                </a:r>
+              </a:p>
+              <a:p>
+                <a:pPr marL="285750" indent="-285750">
+                  <a:buFont typeface="Arial" panose="020B0604020202020204" pitchFamily="34" charset="0"/>
+                  <a:buChar char="•"/>
+                </a:pPr>
+                <a:r>
+                  <a:rPr lang="it-IT" dirty="0"/>
+                  <a:t>Necessità di un controllo esterno sofisticato sulla velocità (</a:t>
+                </a:r>
+                <a:r>
+                  <a:rPr lang="it-IT" b="1" dirty="0"/>
+                  <a:t>ESC</a:t>
+                </a:r>
+                <a:r>
+                  <a:rPr lang="it-IT" dirty="0"/>
+                  <a:t>)</a:t>
+                </a:r>
+              </a:p>
+              <a:p>
+                <a:pPr marL="285750" indent="-285750">
+                  <a:buFont typeface="Arial" panose="020B0604020202020204" pitchFamily="34" charset="0"/>
+                  <a:buChar char="•"/>
+                </a:pPr>
+                <a:r>
+                  <a:rPr lang="it-IT" dirty="0"/>
+                  <a:t>Leggi di controllo molto più complicate</a:t>
+                </a:r>
+              </a:p>
+              <a:p>
+                <a:pPr marL="285750" indent="-285750">
+                  <a:buFont typeface="Arial" panose="020B0604020202020204" pitchFamily="34" charset="0"/>
+                  <a:buChar char="•"/>
+                </a:pPr>
+                <a:r>
+                  <a:rPr lang="it-IT" dirty="0"/>
+                  <a:t>NON tutti i brushless sono dotati di sensori Hall (</a:t>
+                </a:r>
+                <a14:m>
+                  <m:oMath xmlns:m="http://schemas.openxmlformats.org/officeDocument/2006/math">
+                    <m:r>
+                      <a:rPr lang="it-IT" i="1">
+                        <a:latin typeface="Cambria Math" panose="02040503050406030204" pitchFamily="18" charset="0"/>
+                        <a:ea typeface="Cambria Math" panose="02040503050406030204" pitchFamily="18" charset="0"/>
+                      </a:rPr>
+                      <m:t>⇒</m:t>
+                    </m:r>
+                    <m:r>
+                      <a:rPr lang="it-IT" b="0" i="1" smtClean="0">
+                        <a:latin typeface="Cambria Math" panose="02040503050406030204" pitchFamily="18" charset="0"/>
+                        <a:ea typeface="Cambria Math" panose="02040503050406030204" pitchFamily="18" charset="0"/>
+                      </a:rPr>
+                      <m:t> </m:t>
+                    </m:r>
+                  </m:oMath>
+                </a14:m>
+                <a:r>
+                  <a:rPr lang="it-IT" dirty="0"/>
+                  <a:t>euristica sulla posizione reale, o utilizzo di sensori di corrente, ancora meno precisi)</a:t>
+                </a:r>
+              </a:p>
+              <a:p>
+                <a:endParaRPr lang="it-IT" dirty="0"/>
               </a:p>
             </p:txBody>
           </p:sp>
         </mc:Choice>
-        <mc:Fallback xmlns="">
+        <mc:Fallback>
           <p:sp>
             <p:nvSpPr>
-              <p:cNvPr id="8" name="CasellaDiTesto 7">
+              <p:cNvPr id="9" name="CasellaDiTesto 8">
                 <a:extLst>
                   <a:ext uri="{FF2B5EF4-FFF2-40B4-BE49-F238E27FC236}">
-                    <a16:creationId xmlns:a16="http://schemas.microsoft.com/office/drawing/2014/main" id="{1B1D4B42-009D-4940-8DA5-5C23D6080364}"/>
+                    <a16:creationId xmlns:a16="http://schemas.microsoft.com/office/drawing/2014/main" id="{D6A5E8CA-6232-4A87-AE17-59F6AAE618F1}"/>
                   </a:ext>
                 </a:extLst>
               </p:cNvPr>
@@ -9266,16 +11559,16 @@
             </p:nvSpPr>
             <p:spPr>
               <a:xfrm>
-                <a:off x="1595026" y="4609848"/>
-                <a:ext cx="6456081" cy="1975860"/>
+                <a:off x="1388854" y="781878"/>
+                <a:ext cx="7883347" cy="5942909"/>
               </a:xfrm>
               <a:prstGeom prst="rect">
                 <a:avLst/>
               </a:prstGeom>
               <a:blipFill>
-                <a:blip r:embed="rId6"/>
+                <a:blip r:embed="rId3"/>
                 <a:stretch>
-                  <a:fillRect l="-1039" t="-1543" r="-2172" b="-4630"/>
+                  <a:fillRect l="-696" t="-615" r="-232"/>
                 </a:stretch>
               </a:blipFill>
             </p:spPr>
@@ -9297,7 +11590,345 @@
     </p:spTree>
     <p:extLst>
       <p:ext uri="{BB962C8B-B14F-4D97-AF65-F5344CB8AC3E}">
-        <p14:creationId xmlns:p14="http://schemas.microsoft.com/office/powerpoint/2010/main" val="1011132439"/>
+        <p14:creationId xmlns:p14="http://schemas.microsoft.com/office/powerpoint/2010/main" val="270542232"/>
+      </p:ext>
+    </p:extLst>
+  </p:cSld>
+  <p:clrMapOvr>
+    <a:masterClrMapping/>
+  </p:clrMapOvr>
+  <mc:AlternateContent xmlns:mc="http://schemas.openxmlformats.org/markup-compatibility/2006" xmlns:p14="http://schemas.microsoft.com/office/powerpoint/2010/main">
+    <mc:Choice Requires="p14">
+      <p:transition spd="med" p14:dur="700">
+        <p:fade/>
+      </p:transition>
+    </mc:Choice>
+    <mc:Fallback xmlns="">
+      <p:transition spd="med">
+        <p:fade/>
+      </p:transition>
+    </mc:Fallback>
+  </mc:AlternateContent>
+</p:sld>
+</file>
+
+<file path=ppt/slides/slide26.xml><?xml version="1.0" encoding="utf-8"?>
+<p:sld xmlns:a="http://schemas.openxmlformats.org/drawingml/2006/main" xmlns:r="http://schemas.openxmlformats.org/officeDocument/2006/relationships" xmlns:p="http://schemas.openxmlformats.org/presentationml/2006/main">
+  <p:cSld>
+    <p:spTree>
+      <p:nvGrpSpPr>
+        <p:cNvPr id="1" name=""/>
+        <p:cNvGrpSpPr/>
+        <p:nvPr/>
+      </p:nvGrpSpPr>
+      <p:grpSpPr>
+        <a:xfrm>
+          <a:off x="0" y="0"/>
+          <a:ext cx="0" cy="0"/>
+          <a:chOff x="0" y="0"/>
+          <a:chExt cx="0" cy="0"/>
+        </a:xfrm>
+      </p:grpSpPr>
+      <p:sp>
+        <p:nvSpPr>
+          <p:cNvPr id="9" name="Titolo 1">
+            <a:extLst>
+              <a:ext uri="{FF2B5EF4-FFF2-40B4-BE49-F238E27FC236}">
+                <a16:creationId xmlns:a16="http://schemas.microsoft.com/office/drawing/2014/main" id="{7BF0AD53-8A2A-474B-A573-8F1C23693A42}"/>
+              </a:ext>
+            </a:extLst>
+          </p:cNvPr>
+          <p:cNvSpPr>
+            <a:spLocks noGrp="1"/>
+          </p:cNvSpPr>
+          <p:nvPr>
+            <p:ph type="title"/>
+          </p:nvPr>
+        </p:nvSpPr>
+        <p:spPr>
+          <a:xfrm>
+            <a:off x="1228642" y="0"/>
+            <a:ext cx="6284153" cy="715273"/>
+          </a:xfrm>
+        </p:spPr>
+        <p:txBody>
+          <a:bodyPr>
+            <a:normAutofit/>
+          </a:bodyPr>
+          <a:lstStyle/>
+          <a:p>
+            <a:r>
+              <a:rPr lang="it-IT" sz="3200" dirty="0"/>
+              <a:t>Complessità di un ESC</a:t>
+            </a:r>
+          </a:p>
+        </p:txBody>
+      </p:sp>
+      <p:pic>
+        <p:nvPicPr>
+          <p:cNvPr id="12" name="Immagine 11" descr="Immagine che contiene tavolo, set, monitor, schermo&#10;&#10;Descrizione generata automaticamente">
+            <a:extLst>
+              <a:ext uri="{FF2B5EF4-FFF2-40B4-BE49-F238E27FC236}">
+                <a16:creationId xmlns:a16="http://schemas.microsoft.com/office/drawing/2014/main" id="{E1EEDB99-F97E-4F4B-A596-01C7F1E15478}"/>
+              </a:ext>
+            </a:extLst>
+          </p:cNvPr>
+          <p:cNvPicPr>
+            <a:picLocks noChangeAspect="1"/>
+          </p:cNvPicPr>
+          <p:nvPr/>
+        </p:nvPicPr>
+        <p:blipFill>
+          <a:blip r:embed="rId2">
+            <a:extLst>
+              <a:ext uri="{28A0092B-C50C-407E-A947-70E740481C1C}">
+                <a14:useLocalDpi xmlns:a14="http://schemas.microsoft.com/office/drawing/2010/main" val="0"/>
+              </a:ext>
+            </a:extLst>
+          </a:blip>
+          <a:stretch>
+            <a:fillRect/>
+          </a:stretch>
+        </p:blipFill>
+        <p:spPr>
+          <a:xfrm>
+            <a:off x="2982485" y="1759944"/>
+            <a:ext cx="6718348" cy="4784775"/>
+          </a:xfrm>
+          <a:prstGeom prst="rect">
+            <a:avLst/>
+          </a:prstGeom>
+        </p:spPr>
+      </p:pic>
+    </p:spTree>
+    <p:extLst>
+      <p:ext uri="{BB962C8B-B14F-4D97-AF65-F5344CB8AC3E}">
+        <p14:creationId xmlns:p14="http://schemas.microsoft.com/office/powerpoint/2010/main" val="2804492731"/>
+      </p:ext>
+    </p:extLst>
+  </p:cSld>
+  <p:clrMapOvr>
+    <a:masterClrMapping/>
+  </p:clrMapOvr>
+  <mc:AlternateContent xmlns:mc="http://schemas.openxmlformats.org/markup-compatibility/2006" xmlns:p14="http://schemas.microsoft.com/office/powerpoint/2010/main">
+    <mc:Choice Requires="p14">
+      <p:transition spd="med" p14:dur="700">
+        <p:fade/>
+      </p:transition>
+    </mc:Choice>
+    <mc:Fallback xmlns="">
+      <p:transition spd="med">
+        <p:fade/>
+      </p:transition>
+    </mc:Fallback>
+  </mc:AlternateContent>
+</p:sld>
+</file>
+
+<file path=ppt/slides/slide27.xml><?xml version="1.0" encoding="utf-8"?>
+<p:sld xmlns:a="http://schemas.openxmlformats.org/drawingml/2006/main" xmlns:r="http://schemas.openxmlformats.org/officeDocument/2006/relationships" xmlns:p="http://schemas.openxmlformats.org/presentationml/2006/main">
+  <p:cSld>
+    <p:spTree>
+      <p:nvGrpSpPr>
+        <p:cNvPr id="1" name=""/>
+        <p:cNvGrpSpPr/>
+        <p:nvPr/>
+      </p:nvGrpSpPr>
+      <p:grpSpPr>
+        <a:xfrm>
+          <a:off x="0" y="0"/>
+          <a:ext cx="0" cy="0"/>
+          <a:chOff x="0" y="0"/>
+          <a:chExt cx="0" cy="0"/>
+        </a:xfrm>
+      </p:grpSpPr>
+      <p:sp>
+        <p:nvSpPr>
+          <p:cNvPr id="9" name="Titolo 1">
+            <a:extLst>
+              <a:ext uri="{FF2B5EF4-FFF2-40B4-BE49-F238E27FC236}">
+                <a16:creationId xmlns:a16="http://schemas.microsoft.com/office/drawing/2014/main" id="{7BF0AD53-8A2A-474B-A573-8F1C23693A42}"/>
+              </a:ext>
+            </a:extLst>
+          </p:cNvPr>
+          <p:cNvSpPr>
+            <a:spLocks noGrp="1"/>
+          </p:cNvSpPr>
+          <p:nvPr>
+            <p:ph type="title"/>
+          </p:nvPr>
+        </p:nvSpPr>
+        <p:spPr>
+          <a:xfrm>
+            <a:off x="1228643" y="0"/>
+            <a:ext cx="8297495" cy="715273"/>
+          </a:xfrm>
+        </p:spPr>
+        <p:txBody>
+          <a:bodyPr>
+            <a:normAutofit/>
+          </a:bodyPr>
+          <a:lstStyle/>
+          <a:p>
+            <a:r>
+              <a:rPr lang="it-IT" sz="3200" dirty="0"/>
+              <a:t>Complessità di un sistema di controllo</a:t>
+            </a:r>
+          </a:p>
+        </p:txBody>
+      </p:sp>
+      <p:pic>
+        <p:nvPicPr>
+          <p:cNvPr id="3" name="Immagine 2">
+            <a:extLst>
+              <a:ext uri="{FF2B5EF4-FFF2-40B4-BE49-F238E27FC236}">
+                <a16:creationId xmlns:a16="http://schemas.microsoft.com/office/drawing/2014/main" id="{E6029145-76F8-4F44-A4BB-BA7111C6BD80}"/>
+              </a:ext>
+            </a:extLst>
+          </p:cNvPr>
+          <p:cNvPicPr>
+            <a:picLocks noChangeAspect="1"/>
+          </p:cNvPicPr>
+          <p:nvPr/>
+        </p:nvPicPr>
+        <p:blipFill>
+          <a:blip r:embed="rId2">
+            <a:extLst>
+              <a:ext uri="{28A0092B-C50C-407E-A947-70E740481C1C}">
+                <a14:useLocalDpi xmlns:a14="http://schemas.microsoft.com/office/drawing/2010/main" val="0"/>
+              </a:ext>
+            </a:extLst>
+          </a:blip>
+          <a:stretch>
+            <a:fillRect/>
+          </a:stretch>
+        </p:blipFill>
+        <p:spPr>
+          <a:xfrm>
+            <a:off x="2047310" y="780202"/>
+            <a:ext cx="8097380" cy="6077798"/>
+          </a:xfrm>
+          <a:prstGeom prst="rect">
+            <a:avLst/>
+          </a:prstGeom>
+        </p:spPr>
+      </p:pic>
+    </p:spTree>
+    <p:extLst>
+      <p:ext uri="{BB962C8B-B14F-4D97-AF65-F5344CB8AC3E}">
+        <p14:creationId xmlns:p14="http://schemas.microsoft.com/office/powerpoint/2010/main" val="2426783348"/>
+      </p:ext>
+    </p:extLst>
+  </p:cSld>
+  <p:clrMapOvr>
+    <a:masterClrMapping/>
+  </p:clrMapOvr>
+  <mc:AlternateContent xmlns:mc="http://schemas.openxmlformats.org/markup-compatibility/2006" xmlns:p14="http://schemas.microsoft.com/office/powerpoint/2010/main">
+    <mc:Choice Requires="p14">
+      <p:transition spd="med" p14:dur="700">
+        <p:fade/>
+      </p:transition>
+    </mc:Choice>
+    <mc:Fallback xmlns="">
+      <p:transition spd="med">
+        <p:fade/>
+      </p:transition>
+    </mc:Fallback>
+  </mc:AlternateContent>
+</p:sld>
+</file>
+
+<file path=ppt/slides/slide28.xml><?xml version="1.0" encoding="utf-8"?>
+<p:sld xmlns:a="http://schemas.openxmlformats.org/drawingml/2006/main" xmlns:r="http://schemas.openxmlformats.org/officeDocument/2006/relationships" xmlns:p="http://schemas.openxmlformats.org/presentationml/2006/main">
+  <p:cSld>
+    <p:spTree>
+      <p:nvGrpSpPr>
+        <p:cNvPr id="1" name=""/>
+        <p:cNvGrpSpPr/>
+        <p:nvPr/>
+      </p:nvGrpSpPr>
+      <p:grpSpPr>
+        <a:xfrm>
+          <a:off x="0" y="0"/>
+          <a:ext cx="0" cy="0"/>
+          <a:chOff x="0" y="0"/>
+          <a:chExt cx="0" cy="0"/>
+        </a:xfrm>
+      </p:grpSpPr>
+      <p:pic>
+        <p:nvPicPr>
+          <p:cNvPr id="8" name="Immagine 7" descr="Immagine che contiene computer&#10;&#10;Descrizione generata automaticamente">
+            <a:extLst>
+              <a:ext uri="{FF2B5EF4-FFF2-40B4-BE49-F238E27FC236}">
+                <a16:creationId xmlns:a16="http://schemas.microsoft.com/office/drawing/2014/main" id="{11E50079-383D-4C57-A389-7B79E9E8A264}"/>
+              </a:ext>
+            </a:extLst>
+          </p:cNvPr>
+          <p:cNvPicPr>
+            <a:picLocks noChangeAspect="1"/>
+          </p:cNvPicPr>
+          <p:nvPr/>
+        </p:nvPicPr>
+        <p:blipFill>
+          <a:blip r:embed="rId2">
+            <a:extLst>
+              <a:ext uri="{28A0092B-C50C-407E-A947-70E740481C1C}">
+                <a14:useLocalDpi xmlns:a14="http://schemas.microsoft.com/office/drawing/2010/main" val="0"/>
+              </a:ext>
+            </a:extLst>
+          </a:blip>
+          <a:stretch>
+            <a:fillRect/>
+          </a:stretch>
+        </p:blipFill>
+        <p:spPr>
+          <a:xfrm>
+            <a:off x="1392072" y="637845"/>
+            <a:ext cx="10281314" cy="6220155"/>
+          </a:xfrm>
+          <a:prstGeom prst="rect">
+            <a:avLst/>
+          </a:prstGeom>
+        </p:spPr>
+      </p:pic>
+      <p:sp>
+        <p:nvSpPr>
+          <p:cNvPr id="9" name="Rettangolo 8">
+            <a:extLst>
+              <a:ext uri="{FF2B5EF4-FFF2-40B4-BE49-F238E27FC236}">
+                <a16:creationId xmlns:a16="http://schemas.microsoft.com/office/drawing/2014/main" id="{5E349C50-92E0-4370-89CA-1A50D990E746}"/>
+              </a:ext>
+            </a:extLst>
+          </p:cNvPr>
+          <p:cNvSpPr/>
+          <p:nvPr/>
+        </p:nvSpPr>
+        <p:spPr>
+          <a:xfrm>
+            <a:off x="1392072" y="53070"/>
+            <a:ext cx="7251024" cy="584775"/>
+          </a:xfrm>
+          <a:prstGeom prst="rect">
+            <a:avLst/>
+          </a:prstGeom>
+        </p:spPr>
+        <p:txBody>
+          <a:bodyPr wrap="none">
+            <a:spAutoFit/>
+          </a:bodyPr>
+          <a:lstStyle/>
+          <a:p>
+            <a:r>
+              <a:rPr lang="it-IT" sz="3200" dirty="0"/>
+              <a:t>Possibile implementazione su Arduino</a:t>
+            </a:r>
+          </a:p>
+        </p:txBody>
+      </p:sp>
+    </p:spTree>
+    <p:extLst>
+      <p:ext uri="{BB962C8B-B14F-4D97-AF65-F5344CB8AC3E}">
+        <p14:creationId xmlns:p14="http://schemas.microsoft.com/office/powerpoint/2010/main" val="3929377324"/>
       </p:ext>
     </p:extLst>
   </p:cSld>
@@ -12211,7 +14842,12 @@
             <p:ph type="title"/>
           </p:nvPr>
         </p:nvSpPr>
-        <p:spPr/>
+        <p:spPr>
+          <a:xfrm>
+            <a:off x="1345721" y="569843"/>
+            <a:ext cx="9618244" cy="692019"/>
+          </a:xfrm>
+        </p:spPr>
         <p:txBody>
           <a:bodyPr rtlCol="0"/>
           <a:lstStyle/>
@@ -12224,8 +14860,8 @@
           </a:p>
         </p:txBody>
       </p:sp>
-      <mc:AlternateContent xmlns:mc="http://schemas.openxmlformats.org/markup-compatibility/2006" xmlns:a14="http://schemas.microsoft.com/office/drawing/2010/main">
-        <mc:Choice Requires="a14">
+      <mc:AlternateContent xmlns:mc="http://schemas.openxmlformats.org/markup-compatibility/2006">
+        <mc:Choice xmlns:a14="http://schemas.microsoft.com/office/drawing/2010/main" Requires="a14">
           <p:sp>
             <p:nvSpPr>
               <p:cNvPr id="4" name="CasellaDiTesto 3">
@@ -12240,8 +14876,8 @@
             </p:nvSpPr>
             <p:spPr>
               <a:xfrm>
-                <a:off x="1750420" y="1617239"/>
-                <a:ext cx="5047763" cy="3692357"/>
+                <a:off x="1345721" y="1261862"/>
+                <a:ext cx="5116096" cy="3826973"/>
               </a:xfrm>
               <a:prstGeom prst="rect">
                 <a:avLst/>
@@ -12349,7 +14985,7 @@
             </p:txBody>
           </p:sp>
         </mc:Choice>
-        <mc:Fallback xmlns="">
+        <mc:Fallback>
           <p:sp>
             <p:nvSpPr>
               <p:cNvPr id="4" name="CasellaDiTesto 3">
@@ -12366,8 +15002,8 @@
             </p:nvSpPr>
             <p:spPr>
               <a:xfrm>
-                <a:off x="1750420" y="1617239"/>
-                <a:ext cx="5047763" cy="3692357"/>
+                <a:off x="1345721" y="1261862"/>
+                <a:ext cx="5116096" cy="3826973"/>
               </a:xfrm>
               <a:prstGeom prst="rect">
                 <a:avLst/>
@@ -12375,7 +15011,7 @@
               <a:blipFill>
                 <a:blip r:embed="rId3"/>
                 <a:stretch>
-                  <a:fillRect l="-845" t="-660" b="-1320"/>
+                  <a:fillRect l="-954" t="-637" r="-2622"/>
                 </a:stretch>
               </a:blipFill>
             </p:spPr>
@@ -12422,7 +15058,7 @@
         </p:blipFill>
         <p:spPr>
           <a:xfrm>
-            <a:off x="6949933" y="1617236"/>
+            <a:off x="6801634" y="1617235"/>
             <a:ext cx="4967740" cy="1239514"/>
           </a:xfrm>
           <a:prstGeom prst="rect">
@@ -12458,7 +15094,7 @@
         </p:blipFill>
         <p:spPr>
           <a:xfrm>
-            <a:off x="6949933" y="4001252"/>
+            <a:off x="1345721" y="5088835"/>
             <a:ext cx="4750278" cy="1091101"/>
           </a:xfrm>
           <a:prstGeom prst="rect">
@@ -12466,8 +15102,8 @@
           </a:prstGeom>
         </p:spPr>
       </p:pic>
-      <mc:AlternateContent xmlns:mc="http://schemas.openxmlformats.org/markup-compatibility/2006" xmlns:a14="http://schemas.microsoft.com/office/drawing/2010/main">
-        <mc:Choice Requires="a14">
+      <mc:AlternateContent xmlns:mc="http://schemas.openxmlformats.org/markup-compatibility/2006">
+        <mc:Choice xmlns:a14="http://schemas.microsoft.com/office/drawing/2010/main" Requires="a14">
           <p:sp>
             <p:nvSpPr>
               <p:cNvPr id="3" name="CasellaDiTesto 2">
@@ -12482,7 +15118,7 @@
             </p:nvSpPr>
             <p:spPr>
               <a:xfrm>
-                <a:off x="8012951" y="3212124"/>
+                <a:off x="7570677" y="3099405"/>
                 <a:ext cx="2841705" cy="369236"/>
               </a:xfrm>
               <a:prstGeom prst="rect">
@@ -12629,7 +15265,7 @@
             </p:txBody>
           </p:sp>
         </mc:Choice>
-        <mc:Fallback xmlns="">
+        <mc:Fallback>
           <p:sp>
             <p:nvSpPr>
               <p:cNvPr id="3" name="CasellaDiTesto 2">
@@ -12646,7 +15282,7 @@
             </p:nvSpPr>
             <p:spPr>
               <a:xfrm>
-                <a:off x="8012951" y="3212124"/>
+                <a:off x="7570677" y="3099405"/>
                 <a:ext cx="2841705" cy="369236"/>
               </a:xfrm>
               <a:prstGeom prst="rect">
@@ -12655,7 +15291,7 @@
               <a:blipFill>
                 <a:blip r:embed="rId6"/>
                 <a:stretch>
-                  <a:fillRect t="-1667" b="-30000"/>
+                  <a:fillRect b="-27869"/>
                 </a:stretch>
               </a:blipFill>
             </p:spPr>
@@ -12674,6 +15310,42 @@
           </p:sp>
         </mc:Fallback>
       </mc:AlternateContent>
+      <p:pic>
+        <p:nvPicPr>
+          <p:cNvPr id="6" name="Immagine 5" descr="Immagine che contiene mappa, screenshot, testo&#10;&#10;Descrizione generata automaticamente">
+            <a:extLst>
+              <a:ext uri="{FF2B5EF4-FFF2-40B4-BE49-F238E27FC236}">
+                <a16:creationId xmlns:a16="http://schemas.microsoft.com/office/drawing/2014/main" id="{C8AC329F-0D2F-421E-A348-C6739959F09A}"/>
+              </a:ext>
+            </a:extLst>
+          </p:cNvPr>
+          <p:cNvPicPr>
+            <a:picLocks noChangeAspect="1"/>
+          </p:cNvPicPr>
+          <p:nvPr/>
+        </p:nvPicPr>
+        <p:blipFill>
+          <a:blip r:embed="rId7">
+            <a:extLst>
+              <a:ext uri="{28A0092B-C50C-407E-A947-70E740481C1C}">
+                <a14:useLocalDpi xmlns:a14="http://schemas.microsoft.com/office/drawing/2010/main" val="0"/>
+              </a:ext>
+            </a:extLst>
+          </a:blip>
+          <a:stretch>
+            <a:fillRect/>
+          </a:stretch>
+        </p:blipFill>
+        <p:spPr>
+          <a:xfrm>
+            <a:off x="6213686" y="3711297"/>
+            <a:ext cx="5555688" cy="2921735"/>
+          </a:xfrm>
+          <a:prstGeom prst="rect">
+            <a:avLst/>
+          </a:prstGeom>
+        </p:spPr>
+      </p:pic>
     </p:spTree>
     <p:extLst>
       <p:ext uri="{BB962C8B-B14F-4D97-AF65-F5344CB8AC3E}">
@@ -12718,7 +15390,13 @@
       </p:grpSpPr>
       <p:sp>
         <p:nvSpPr>
-          <p:cNvPr id="2" name="Titolo 1"/>
+          <p:cNvPr id="2" name="Titolo 1">
+            <a:extLst>
+              <a:ext uri="{FF2B5EF4-FFF2-40B4-BE49-F238E27FC236}">
+                <a16:creationId xmlns:a16="http://schemas.microsoft.com/office/drawing/2014/main" id="{1BC340DE-1513-42FF-B04C-C32024B8579D}"/>
+              </a:ext>
+            </a:extLst>
+          </p:cNvPr>
           <p:cNvSpPr>
             <a:spLocks noGrp="1"/>
           </p:cNvSpPr>
@@ -12726,25 +15404,191 @@
             <p:ph type="title"/>
           </p:nvPr>
         </p:nvSpPr>
-        <p:spPr/>
+        <p:spPr>
+          <a:xfrm>
+            <a:off x="1325218" y="177801"/>
+            <a:ext cx="5780104" cy="1239837"/>
+          </a:xfrm>
+        </p:spPr>
         <p:txBody>
-          <a:bodyPr rtlCol="0"/>
+          <a:bodyPr/>
           <a:lstStyle/>
           <a:p>
-            <a:pPr rtl="0"/>
             <a:r>
               <a:rPr lang="it-IT" dirty="0"/>
-              <a:t>…verificarne la veridicità…</a:t>
+              <a:t>Dettagli sull’identificazione</a:t>
+            </a:r>
+          </a:p>
+        </p:txBody>
+      </p:sp>
+      <p:sp>
+        <p:nvSpPr>
+          <p:cNvPr id="7" name="CasellaDiTesto 6">
+            <a:extLst>
+              <a:ext uri="{FF2B5EF4-FFF2-40B4-BE49-F238E27FC236}">
+                <a16:creationId xmlns:a16="http://schemas.microsoft.com/office/drawing/2014/main" id="{CD25786B-4557-4E41-870E-9702C9E3A874}"/>
+              </a:ext>
+            </a:extLst>
+          </p:cNvPr>
+          <p:cNvSpPr txBox="1"/>
+          <p:nvPr/>
+        </p:nvSpPr>
+        <p:spPr>
+          <a:xfrm>
+            <a:off x="1325218" y="1417638"/>
+            <a:ext cx="5780106" cy="923330"/>
+          </a:xfrm>
+          <a:prstGeom prst="rect">
+            <a:avLst/>
+          </a:prstGeom>
+          <a:noFill/>
+        </p:spPr>
+        <p:txBody>
+          <a:bodyPr wrap="square" rtlCol="0">
+            <a:spAutoFit/>
+          </a:bodyPr>
+          <a:lstStyle/>
+          <a:p>
+            <a:r>
+              <a:rPr lang="it-IT" dirty="0"/>
+              <a:t>Prima di proseguire con i risultati ottenuti, vale la pena soffermarsi sull’ utilizzo dei tool identificativi di MATLAB.</a:t>
+            </a:r>
+          </a:p>
+        </p:txBody>
+      </p:sp>
+      <p:sp>
+        <p:nvSpPr>
+          <p:cNvPr id="8" name="CasellaDiTesto 7">
+            <a:extLst>
+              <a:ext uri="{FF2B5EF4-FFF2-40B4-BE49-F238E27FC236}">
+                <a16:creationId xmlns:a16="http://schemas.microsoft.com/office/drawing/2014/main" id="{A6E67207-866A-4817-B7B7-266D3B2CF50A}"/>
+              </a:ext>
+            </a:extLst>
+          </p:cNvPr>
+          <p:cNvSpPr txBox="1"/>
+          <p:nvPr/>
+        </p:nvSpPr>
+        <p:spPr>
+          <a:xfrm>
+            <a:off x="1593851" y="2063969"/>
+            <a:ext cx="6264687" cy="369332"/>
+          </a:xfrm>
+          <a:prstGeom prst="rect">
+            <a:avLst/>
+          </a:prstGeom>
+          <a:noFill/>
+        </p:spPr>
+        <p:txBody>
+          <a:bodyPr wrap="square" rtlCol="0">
+            <a:spAutoFit/>
+          </a:bodyPr>
+          <a:lstStyle/>
+          <a:p>
+            <a:endParaRPr lang="it-IT" dirty="0"/>
+          </a:p>
+        </p:txBody>
+      </p:sp>
+      <p:sp>
+        <p:nvSpPr>
+          <p:cNvPr id="12" name="CasellaDiTesto 11">
+            <a:extLst>
+              <a:ext uri="{FF2B5EF4-FFF2-40B4-BE49-F238E27FC236}">
+                <a16:creationId xmlns:a16="http://schemas.microsoft.com/office/drawing/2014/main" id="{C3AF8B21-BB52-43F3-A63A-1915C81F6F39}"/>
+              </a:ext>
+            </a:extLst>
+          </p:cNvPr>
+          <p:cNvSpPr txBox="1"/>
+          <p:nvPr/>
+        </p:nvSpPr>
+        <p:spPr>
+          <a:xfrm>
+            <a:off x="1325217" y="2248635"/>
+            <a:ext cx="5780105" cy="2862322"/>
+          </a:xfrm>
+          <a:prstGeom prst="rect">
+            <a:avLst/>
+          </a:prstGeom>
+          <a:noFill/>
+        </p:spPr>
+        <p:txBody>
+          <a:bodyPr wrap="square" rtlCol="0">
+            <a:spAutoFit/>
+          </a:bodyPr>
+          <a:lstStyle/>
+          <a:p>
+            <a:r>
+              <a:rPr lang="it-IT" dirty="0"/>
+              <a:t>Sebbene possano aiutare molto, </a:t>
+            </a:r>
+            <a:r>
+              <a:rPr lang="it-IT" b="1" dirty="0"/>
+              <a:t>non fanno miracoli</a:t>
+            </a:r>
+            <a:r>
+              <a:rPr lang="it-IT" dirty="0"/>
+              <a:t>, in quanto l’intero processo di analisi è un’approssimazione della realtà.</a:t>
+            </a:r>
+          </a:p>
+          <a:p>
+            <a:r>
+              <a:rPr lang="it-IT" dirty="0"/>
+              <a:t>Già possiamo notare questo aspetto facendo una FFT del segnale d’ingresso (uno step </a:t>
+            </a:r>
+            <a:r>
+              <a:rPr lang="it-IT" u="sng" dirty="0"/>
+              <a:t>limitato nel tempo</a:t>
+            </a:r>
+            <a:r>
+              <a:rPr lang="it-IT" dirty="0"/>
+              <a:t>); poiché il tempo di analisi del segnale </a:t>
+            </a:r>
+            <a:r>
+              <a:rPr lang="it-IT" b="1" dirty="0"/>
+              <a:t>non </a:t>
+            </a:r>
+            <a:r>
+              <a:rPr lang="it-IT" dirty="0"/>
+              <a:t>è </a:t>
+            </a:r>
+            <a:r>
+              <a:rPr lang="it-IT" b="1" dirty="0"/>
+              <a:t>illimitato</a:t>
+            </a:r>
+            <a:r>
+              <a:rPr lang="it-IT" dirty="0"/>
+              <a:t>, il contributo percentuale a 0 Hz non è pari a 1 (come sarebbe in una funzione di step correttamente definita), bensì una percentuale inferiore (0.96).</a:t>
+            </a:r>
+          </a:p>
+          <a:p>
+            <a:r>
+              <a:rPr lang="it-IT" dirty="0"/>
+              <a:t>Pertanto, l’analisi già avrà un </a:t>
+            </a:r>
+            <a:r>
+              <a:rPr lang="it-IT" b="1" dirty="0"/>
+              <a:t>implicito errore </a:t>
+            </a:r>
+            <a:r>
+              <a:rPr lang="it-IT" dirty="0"/>
+              <a:t>del </a:t>
+            </a:r>
+            <a:r>
+              <a:rPr lang="it-IT" b="1" dirty="0"/>
+              <a:t>4%</a:t>
+            </a:r>
+            <a:r>
+              <a:rPr lang="it-IT" dirty="0"/>
+              <a:t>.</a:t>
             </a:r>
           </a:p>
         </p:txBody>
       </p:sp>
       <p:pic>
         <p:nvPicPr>
-          <p:cNvPr id="3" name="Immagine 2" descr="Immagine che contiene screenshot, microonde&#10;&#10;Descrizione generata automaticamente">
+          <p:cNvPr id="16" name="Immagine 15" descr="Immagine che contiene screenshot&#10;&#10;Descrizione generata automaticamente">
             <a:extLst>
               <a:ext uri="{FF2B5EF4-FFF2-40B4-BE49-F238E27FC236}">
-                <a16:creationId xmlns:a16="http://schemas.microsoft.com/office/drawing/2014/main" id="{125518C2-C8D1-4B05-BB5A-B98E39E99608}"/>
+                <a16:creationId xmlns:a16="http://schemas.microsoft.com/office/drawing/2014/main" id="{7D755312-AE80-4475-A106-B53D3AFDA7BA}"/>
               </a:ext>
             </a:extLst>
           </p:cNvPr>
@@ -12754,7 +15598,7 @@
           <p:nvPr/>
         </p:nvPicPr>
         <p:blipFill>
-          <a:blip r:embed="rId3">
+          <a:blip r:embed="rId2">
             <a:extLst>
               <a:ext uri="{28A0092B-C50C-407E-A947-70E740481C1C}">
                 <a14:useLocalDpi xmlns:a14="http://schemas.microsoft.com/office/drawing/2010/main" val="0"/>
@@ -12767,8 +15611,8 @@
         </p:blipFill>
         <p:spPr>
           <a:xfrm>
-            <a:off x="5493065" y="1418163"/>
-            <a:ext cx="5884761" cy="5438945"/>
+            <a:off x="7105322" y="797719"/>
+            <a:ext cx="4686954" cy="3886742"/>
           </a:xfrm>
           <a:prstGeom prst="rect">
             <a:avLst/>
@@ -12777,10 +15621,10 @@
       </p:pic>
       <p:sp>
         <p:nvSpPr>
-          <p:cNvPr id="4" name="CasellaDiTesto 3">
+          <p:cNvPr id="17" name="CasellaDiTesto 16">
             <a:extLst>
               <a:ext uri="{FF2B5EF4-FFF2-40B4-BE49-F238E27FC236}">
-                <a16:creationId xmlns:a16="http://schemas.microsoft.com/office/drawing/2014/main" id="{8497A958-111D-41C4-AED4-5EB27DA1D7E5}"/>
+                <a16:creationId xmlns:a16="http://schemas.microsoft.com/office/drawing/2014/main" id="{09D31C8C-7C9B-445D-9F3D-DDE0991121AC}"/>
               </a:ext>
             </a:extLst>
           </p:cNvPr>
@@ -12789,8 +15633,8 @@
         </p:nvSpPr>
         <p:spPr>
           <a:xfrm>
-            <a:off x="1595025" y="2001450"/>
-            <a:ext cx="3229098" cy="2030796"/>
+            <a:off x="1325216" y="5110957"/>
+            <a:ext cx="10467060" cy="1477328"/>
           </a:xfrm>
           <a:prstGeom prst="rect">
             <a:avLst/>
@@ -12804,8 +15648,38 @@
           <a:lstStyle/>
           <a:p>
             <a:r>
-              <a:rPr lang="it-IT" sz="1799" dirty="0"/>
-              <a:t>Come visibile, il risulto è molto preciso, e confrontando la simulazione ottenuta con i dati raccolti sperimentalmente, è apprezzabile la bontà della stima.</a:t>
+              <a:rPr lang="it-IT" dirty="0"/>
+              <a:t>Inoltre, il diminuire il </a:t>
+            </a:r>
+            <a:r>
+              <a:rPr lang="it-IT" b="1" dirty="0"/>
+              <a:t>tempo di campionamento</a:t>
+            </a:r>
+            <a:r>
+              <a:rPr lang="it-IT" dirty="0"/>
+              <a:t>, sebbene permetta di vedere evoluzioni del sistema altrimenti nascoste, nel nostro caso diventerebbe </a:t>
+            </a:r>
+            <a:r>
+              <a:rPr lang="it-IT" b="1" dirty="0"/>
+              <a:t>solo controproducente</a:t>
+            </a:r>
+            <a:r>
+              <a:rPr lang="it-IT" dirty="0"/>
+              <a:t>, andando ad aumentare le frequenze da analizzare, ed di conseguenza alzando il </a:t>
+            </a:r>
+            <a:r>
+              <a:rPr lang="it-IT" b="1" dirty="0"/>
+              <a:t>rapporto segnale-rumore </a:t>
+            </a:r>
+            <a:r>
+              <a:rPr lang="it-IT" dirty="0"/>
+              <a:t>(SNR).</a:t>
+            </a:r>
+          </a:p>
+          <a:p>
+            <a:r>
+              <a:rPr lang="it-IT" dirty="0"/>
+              <a:t>Ciò è dovuto alla maggiore concentrazione del rumore alle alte frequenze, mentre l’evoluzione meccanica avviene sempre a bassa frequenza.</a:t>
             </a:r>
           </a:p>
         </p:txBody>
@@ -12813,7 +15687,7 @@
     </p:spTree>
     <p:extLst>
       <p:ext uri="{BB962C8B-B14F-4D97-AF65-F5344CB8AC3E}">
-        <p14:creationId xmlns:p14="http://schemas.microsoft.com/office/powerpoint/2010/main" val="298989853"/>
+        <p14:creationId xmlns:p14="http://schemas.microsoft.com/office/powerpoint/2010/main" val="1778815866"/>
       </p:ext>
     </p:extLst>
   </p:cSld>
